--- a/doc/ppt/git.pptx
+++ b/doc/ppt/git.pptx
@@ -14,6 +14,10 @@
     <p:sldId id="261" r:id="rId8"/>
     <p:sldId id="263" r:id="rId9"/>
     <p:sldId id="264" r:id="rId10"/>
+    <p:sldId id="265" r:id="rId11"/>
+    <p:sldId id="266" r:id="rId12"/>
+    <p:sldId id="267" r:id="rId13"/>
+    <p:sldId id="268" r:id="rId14"/>
   </p:sldIdLst>
   <p:sldSz cx="12192000" cy="6858000"/>
   <p:notesSz cx="6858000" cy="9144000"/>
@@ -3037,6 +3041,948 @@
 </p:sld>
 </file>
 
+<file path=ppt/slides/slide10.xml><?xml version="1.0" encoding="utf-8"?>
+<p:sld xmlns:a="http://schemas.openxmlformats.org/drawingml/2006/main" xmlns:r="http://schemas.openxmlformats.org/officeDocument/2006/relationships" xmlns:p="http://schemas.openxmlformats.org/presentationml/2006/main">
+  <p:cSld>
+    <p:spTree>
+      <p:nvGrpSpPr>
+        <p:cNvPr id="1" name=""/>
+        <p:cNvGrpSpPr/>
+        <p:nvPr/>
+      </p:nvGrpSpPr>
+      <p:grpSpPr>
+        <a:xfrm>
+          <a:off x="0" y="0"/>
+          <a:ext cx="0" cy="0"/>
+          <a:chOff x="0" y="0"/>
+          <a:chExt cx="0" cy="0"/>
+        </a:xfrm>
+      </p:grpSpPr>
+      <p:sp>
+        <p:nvSpPr>
+          <p:cNvPr id="2" name="标题 1"/>
+          <p:cNvSpPr>
+            <a:spLocks noGrp="1"/>
+          </p:cNvSpPr>
+          <p:nvPr>
+            <p:ph type="ctrTitle"/>
+          </p:nvPr>
+        </p:nvSpPr>
+        <p:spPr>
+          <a:xfrm>
+            <a:off x="373626" y="309716"/>
+            <a:ext cx="7590503" cy="840658"/>
+          </a:xfrm>
+        </p:spPr>
+        <p:txBody>
+          <a:bodyPr>
+            <a:normAutofit/>
+          </a:bodyPr>
+          <a:lstStyle/>
+          <a:p>
+            <a:pPr algn="l"/>
+            <a:r>
+              <a:rPr lang="zh-CN" altLang="en-US" sz="5400" dirty="0"/>
+              <a:t>安装</a:t>
+            </a:r>
+            <a:r>
+              <a:rPr lang="en-US" altLang="zh-CN" sz="5400" dirty="0" err="1" smtClean="0"/>
+              <a:t>Git</a:t>
+            </a:r>
+            <a:r>
+              <a:rPr lang="en-US" altLang="zh-CN" sz="5400" dirty="0" smtClean="0"/>
+              <a:t>--Linux</a:t>
+            </a:r>
+            <a:endParaRPr lang="zh-CN" altLang="en-US" sz="5400" dirty="0"/>
+          </a:p>
+        </p:txBody>
+      </p:sp>
+      <p:sp>
+        <p:nvSpPr>
+          <p:cNvPr id="3" name="副标题 2"/>
+          <p:cNvSpPr>
+            <a:spLocks noGrp="1"/>
+          </p:cNvSpPr>
+          <p:nvPr>
+            <p:ph type="subTitle" idx="1"/>
+          </p:nvPr>
+        </p:nvSpPr>
+        <p:spPr>
+          <a:xfrm>
+            <a:off x="373626" y="1356851"/>
+            <a:ext cx="11336593" cy="707923"/>
+          </a:xfrm>
+        </p:spPr>
+        <p:txBody>
+          <a:bodyPr>
+            <a:noAutofit/>
+          </a:bodyPr>
+          <a:lstStyle/>
+          <a:p>
+            <a:pPr algn="l"/>
+            <a:r>
+              <a:rPr lang="en-US" altLang="zh-CN" sz="1600" dirty="0" smtClean="0"/>
+              <a:t>$ </a:t>
+            </a:r>
+            <a:r>
+              <a:rPr lang="en-US" altLang="zh-CN" sz="1600" dirty="0" err="1" smtClean="0"/>
+              <a:t>git</a:t>
+            </a:r>
+            <a:r>
+              <a:rPr lang="en-US" altLang="zh-CN" sz="1600" dirty="0" smtClean="0"/>
+              <a:t> </a:t>
+            </a:r>
+          </a:p>
+          <a:p>
+            <a:pPr algn="l"/>
+            <a:r>
+              <a:rPr lang="en-US" altLang="zh-CN" sz="1600" dirty="0" smtClean="0"/>
+              <a:t>The program '</a:t>
+            </a:r>
+            <a:r>
+              <a:rPr lang="en-US" altLang="zh-CN" sz="1600" dirty="0" err="1" smtClean="0"/>
+              <a:t>git</a:t>
+            </a:r>
+            <a:r>
+              <a:rPr lang="en-US" altLang="zh-CN" sz="1600" dirty="0" smtClean="0"/>
+              <a:t>' is currently not installed. You can install it by typing: </a:t>
+            </a:r>
+            <a:r>
+              <a:rPr lang="en-US" altLang="zh-CN" sz="1600" dirty="0" err="1" smtClean="0"/>
+              <a:t>su</a:t>
+            </a:r>
+            <a:r>
+              <a:rPr lang="en-US" altLang="zh-CN" sz="1600" b="1" dirty="0" err="1"/>
+              <a:t>do</a:t>
+            </a:r>
+            <a:r>
+              <a:rPr lang="en-US" altLang="zh-CN" sz="1600" dirty="0" smtClean="0"/>
+              <a:t> apt-</a:t>
+            </a:r>
+            <a:r>
+              <a:rPr lang="en-US" altLang="zh-CN" sz="1600" b="1" dirty="0"/>
+              <a:t>get</a:t>
+            </a:r>
+            <a:r>
+              <a:rPr lang="en-US" altLang="zh-CN" sz="1600" dirty="0" smtClean="0"/>
+              <a:t> install </a:t>
+            </a:r>
+            <a:r>
+              <a:rPr lang="en-US" altLang="zh-CN" sz="1600" dirty="0" err="1" smtClean="0"/>
+              <a:t>git</a:t>
+            </a:r>
+            <a:endParaRPr lang="zh-CN" altLang="en-US" sz="1600" dirty="0"/>
+          </a:p>
+        </p:txBody>
+      </p:sp>
+    </p:spTree>
+    <p:extLst>
+      <p:ext uri="{BB962C8B-B14F-4D97-AF65-F5344CB8AC3E}">
+        <p14:creationId xmlns:p14="http://schemas.microsoft.com/office/powerpoint/2010/main" val="1447267605"/>
+      </p:ext>
+    </p:extLst>
+  </p:cSld>
+  <p:clrMapOvr>
+    <a:masterClrMapping/>
+  </p:clrMapOvr>
+</p:sld>
+</file>
+
+<file path=ppt/slides/slide11.xml><?xml version="1.0" encoding="utf-8"?>
+<p:sld xmlns:a="http://schemas.openxmlformats.org/drawingml/2006/main" xmlns:r="http://schemas.openxmlformats.org/officeDocument/2006/relationships" xmlns:p="http://schemas.openxmlformats.org/presentationml/2006/main">
+  <p:cSld>
+    <p:spTree>
+      <p:nvGrpSpPr>
+        <p:cNvPr id="1" name=""/>
+        <p:cNvGrpSpPr/>
+        <p:nvPr/>
+      </p:nvGrpSpPr>
+      <p:grpSpPr>
+        <a:xfrm>
+          <a:off x="0" y="0"/>
+          <a:ext cx="0" cy="0"/>
+          <a:chOff x="0" y="0"/>
+          <a:chExt cx="0" cy="0"/>
+        </a:xfrm>
+      </p:grpSpPr>
+      <p:sp>
+        <p:nvSpPr>
+          <p:cNvPr id="2" name="标题 1"/>
+          <p:cNvSpPr>
+            <a:spLocks noGrp="1"/>
+          </p:cNvSpPr>
+          <p:nvPr>
+            <p:ph type="ctrTitle"/>
+          </p:nvPr>
+        </p:nvSpPr>
+        <p:spPr>
+          <a:xfrm>
+            <a:off x="373626" y="309716"/>
+            <a:ext cx="7590503" cy="840658"/>
+          </a:xfrm>
+        </p:spPr>
+        <p:txBody>
+          <a:bodyPr>
+            <a:normAutofit/>
+          </a:bodyPr>
+          <a:lstStyle/>
+          <a:p>
+            <a:pPr algn="l"/>
+            <a:r>
+              <a:rPr lang="zh-CN" altLang="en-US" sz="5400" dirty="0"/>
+              <a:t>安装</a:t>
+            </a:r>
+            <a:r>
+              <a:rPr lang="en-US" altLang="zh-CN" sz="5400" dirty="0" err="1" smtClean="0"/>
+              <a:t>Git</a:t>
+            </a:r>
+            <a:r>
+              <a:rPr lang="en-US" altLang="zh-CN" sz="5400" dirty="0" smtClean="0"/>
+              <a:t>--OSX</a:t>
+            </a:r>
+            <a:endParaRPr lang="zh-CN" altLang="en-US" sz="5400" dirty="0"/>
+          </a:p>
+        </p:txBody>
+      </p:sp>
+      <p:sp>
+        <p:nvSpPr>
+          <p:cNvPr id="3" name="副标题 2"/>
+          <p:cNvSpPr>
+            <a:spLocks noGrp="1"/>
+          </p:cNvSpPr>
+          <p:nvPr>
+            <p:ph type="subTitle" idx="1"/>
+          </p:nvPr>
+        </p:nvSpPr>
+        <p:spPr>
+          <a:xfrm>
+            <a:off x="373626" y="1356851"/>
+            <a:ext cx="11336593" cy="2286001"/>
+          </a:xfrm>
+        </p:spPr>
+        <p:txBody>
+          <a:bodyPr>
+            <a:noAutofit/>
+          </a:bodyPr>
+          <a:lstStyle/>
+          <a:p>
+            <a:pPr algn="l"/>
+            <a:r>
+              <a:rPr lang="zh-CN" altLang="en-US" sz="1600" dirty="0"/>
+              <a:t>一是安装</a:t>
+            </a:r>
+            <a:r>
+              <a:rPr lang="en-US" altLang="zh-CN" sz="1600" dirty="0"/>
+              <a:t>homebrew</a:t>
+            </a:r>
+            <a:r>
+              <a:rPr lang="zh-CN" altLang="en-US" sz="1600" dirty="0"/>
+              <a:t>，然后通过</a:t>
+            </a:r>
+            <a:r>
+              <a:rPr lang="en-US" altLang="zh-CN" sz="1600" dirty="0"/>
+              <a:t>homebrew</a:t>
+            </a:r>
+            <a:r>
+              <a:rPr lang="zh-CN" altLang="en-US" sz="1600" dirty="0"/>
+              <a:t>安装</a:t>
+            </a:r>
+            <a:r>
+              <a:rPr lang="en-US" altLang="zh-CN" sz="1600" dirty="0" err="1"/>
+              <a:t>Git</a:t>
+            </a:r>
+            <a:r>
+              <a:rPr lang="zh-CN" altLang="en-US" sz="1600" dirty="0"/>
+              <a:t>，具体方法请参考</a:t>
+            </a:r>
+            <a:r>
+              <a:rPr lang="en-US" altLang="zh-CN" sz="1600" dirty="0"/>
+              <a:t>homebrew</a:t>
+            </a:r>
+            <a:r>
+              <a:rPr lang="zh-CN" altLang="en-US" sz="1600" dirty="0"/>
+              <a:t>的文档：</a:t>
+            </a:r>
+            <a:r>
+              <a:rPr lang="en-US" altLang="zh-CN" sz="1600" dirty="0">
+                <a:hlinkClick r:id="rId2"/>
+              </a:rPr>
+              <a:t>http://brew.sh/</a:t>
+            </a:r>
+            <a:r>
+              <a:rPr lang="zh-CN" altLang="en-US" sz="1600" dirty="0" smtClean="0"/>
+              <a:t>。</a:t>
+            </a:r>
+            <a:endParaRPr lang="en-US" altLang="zh-CN" sz="1600" dirty="0" smtClean="0"/>
+          </a:p>
+          <a:p>
+            <a:pPr algn="l"/>
+            <a:r>
+              <a:rPr lang="zh-CN" altLang="en-US" sz="1600" dirty="0"/>
+              <a:t>第二种方法更简单，也是推荐的方法，就是直接从</a:t>
+            </a:r>
+            <a:r>
+              <a:rPr lang="en-US" altLang="zh-CN" sz="1600" dirty="0" err="1"/>
+              <a:t>AppStore</a:t>
+            </a:r>
+            <a:r>
+              <a:rPr lang="zh-CN" altLang="en-US" sz="1600" dirty="0"/>
+              <a:t>安装</a:t>
+            </a:r>
+            <a:r>
+              <a:rPr lang="en-US" altLang="zh-CN" sz="1600" dirty="0" err="1"/>
+              <a:t>Xcode</a:t>
+            </a:r>
+            <a:r>
+              <a:rPr lang="zh-CN" altLang="en-US" sz="1600" dirty="0"/>
+              <a:t>，</a:t>
+            </a:r>
+            <a:r>
+              <a:rPr lang="en-US" altLang="zh-CN" sz="1600" dirty="0" err="1"/>
+              <a:t>Xcode</a:t>
+            </a:r>
+            <a:r>
+              <a:rPr lang="zh-CN" altLang="en-US" sz="1600" dirty="0"/>
+              <a:t>集成了</a:t>
+            </a:r>
+            <a:r>
+              <a:rPr lang="en-US" altLang="zh-CN" sz="1600" dirty="0" err="1"/>
+              <a:t>Git</a:t>
+            </a:r>
+            <a:r>
+              <a:rPr lang="zh-CN" altLang="en-US" sz="1600" dirty="0"/>
+              <a:t>，不过默认没有安装，你需要运行</a:t>
+            </a:r>
+            <a:r>
+              <a:rPr lang="en-US" altLang="zh-CN" sz="1600" dirty="0" err="1"/>
+              <a:t>Xcode</a:t>
+            </a:r>
+            <a:r>
+              <a:rPr lang="zh-CN" altLang="en-US" sz="1600" dirty="0"/>
+              <a:t>，选择菜单“</a:t>
+            </a:r>
+            <a:r>
+              <a:rPr lang="en-US" altLang="zh-CN" sz="1600" dirty="0" err="1"/>
+              <a:t>Xcode</a:t>
+            </a:r>
+            <a:r>
+              <a:rPr lang="en-US" altLang="zh-CN" sz="1600" dirty="0"/>
+              <a:t>”-&gt;“Preferences”</a:t>
+            </a:r>
+            <a:r>
+              <a:rPr lang="zh-CN" altLang="en-US" sz="1600" dirty="0"/>
+              <a:t>，在弹出窗口中找到“</a:t>
+            </a:r>
+            <a:r>
+              <a:rPr lang="en-US" altLang="zh-CN" sz="1600" dirty="0"/>
+              <a:t>Downloads”</a:t>
+            </a:r>
+            <a:r>
+              <a:rPr lang="zh-CN" altLang="en-US" sz="1600" dirty="0"/>
+              <a:t>，选择“</a:t>
+            </a:r>
+            <a:r>
+              <a:rPr lang="en-US" altLang="zh-CN" sz="1600" dirty="0"/>
+              <a:t>Command Line Tools”</a:t>
+            </a:r>
+            <a:r>
+              <a:rPr lang="zh-CN" altLang="en-US" sz="1600" dirty="0"/>
+              <a:t>，点“</a:t>
+            </a:r>
+            <a:r>
+              <a:rPr lang="en-US" altLang="zh-CN" sz="1600" dirty="0"/>
+              <a:t>Install”</a:t>
+            </a:r>
+            <a:r>
+              <a:rPr lang="zh-CN" altLang="en-US" sz="1600" dirty="0"/>
+              <a:t>就可以完成安装了</a:t>
+            </a:r>
+            <a:r>
+              <a:rPr lang="zh-CN" altLang="en-US" sz="1600" dirty="0" smtClean="0"/>
+              <a:t>。</a:t>
+            </a:r>
+            <a:endParaRPr lang="zh-CN" altLang="en-US" sz="1600" dirty="0"/>
+          </a:p>
+        </p:txBody>
+      </p:sp>
+      <p:pic>
+        <p:nvPicPr>
+          <p:cNvPr id="4" name="图片 3"/>
+          <p:cNvPicPr>
+            <a:picLocks noChangeAspect="1"/>
+          </p:cNvPicPr>
+          <p:nvPr/>
+        </p:nvPicPr>
+        <p:blipFill>
+          <a:blip r:embed="rId3"/>
+          <a:stretch>
+            <a:fillRect/>
+          </a:stretch>
+        </p:blipFill>
+        <p:spPr>
+          <a:xfrm>
+            <a:off x="2791951" y="2288048"/>
+            <a:ext cx="5664200" cy="4140200"/>
+          </a:xfrm>
+          <a:prstGeom prst="rect">
+            <a:avLst/>
+          </a:prstGeom>
+        </p:spPr>
+      </p:pic>
+    </p:spTree>
+    <p:extLst>
+      <p:ext uri="{BB962C8B-B14F-4D97-AF65-F5344CB8AC3E}">
+        <p14:creationId xmlns:p14="http://schemas.microsoft.com/office/powerpoint/2010/main" val="1973387981"/>
+      </p:ext>
+    </p:extLst>
+  </p:cSld>
+  <p:clrMapOvr>
+    <a:masterClrMapping/>
+  </p:clrMapOvr>
+</p:sld>
+</file>
+
+<file path=ppt/slides/slide12.xml><?xml version="1.0" encoding="utf-8"?>
+<p:sld xmlns:a="http://schemas.openxmlformats.org/drawingml/2006/main" xmlns:r="http://schemas.openxmlformats.org/officeDocument/2006/relationships" xmlns:p="http://schemas.openxmlformats.org/presentationml/2006/main">
+  <p:cSld>
+    <p:spTree>
+      <p:nvGrpSpPr>
+        <p:cNvPr id="1" name=""/>
+        <p:cNvGrpSpPr/>
+        <p:nvPr/>
+      </p:nvGrpSpPr>
+      <p:grpSpPr>
+        <a:xfrm>
+          <a:off x="0" y="0"/>
+          <a:ext cx="0" cy="0"/>
+          <a:chOff x="0" y="0"/>
+          <a:chExt cx="0" cy="0"/>
+        </a:xfrm>
+      </p:grpSpPr>
+      <p:sp>
+        <p:nvSpPr>
+          <p:cNvPr id="2" name="标题 1"/>
+          <p:cNvSpPr>
+            <a:spLocks noGrp="1"/>
+          </p:cNvSpPr>
+          <p:nvPr>
+            <p:ph type="ctrTitle"/>
+          </p:nvPr>
+        </p:nvSpPr>
+        <p:spPr>
+          <a:xfrm>
+            <a:off x="373626" y="309716"/>
+            <a:ext cx="7590503" cy="840658"/>
+          </a:xfrm>
+        </p:spPr>
+        <p:txBody>
+          <a:bodyPr>
+            <a:normAutofit/>
+          </a:bodyPr>
+          <a:lstStyle/>
+          <a:p>
+            <a:pPr algn="l"/>
+            <a:r>
+              <a:rPr lang="zh-CN" altLang="en-US" sz="5400" dirty="0"/>
+              <a:t>安装</a:t>
+            </a:r>
+            <a:r>
+              <a:rPr lang="en-US" altLang="zh-CN" sz="5400" dirty="0" err="1" smtClean="0"/>
+              <a:t>Git</a:t>
+            </a:r>
+            <a:r>
+              <a:rPr lang="en-US" altLang="zh-CN" sz="5400" dirty="0" smtClean="0"/>
+              <a:t>--Windows</a:t>
+            </a:r>
+            <a:endParaRPr lang="zh-CN" altLang="en-US" sz="5400" dirty="0"/>
+          </a:p>
+        </p:txBody>
+      </p:sp>
+      <p:sp>
+        <p:nvSpPr>
+          <p:cNvPr id="3" name="副标题 2"/>
+          <p:cNvSpPr>
+            <a:spLocks noGrp="1"/>
+          </p:cNvSpPr>
+          <p:nvPr>
+            <p:ph type="subTitle" idx="1"/>
+          </p:nvPr>
+        </p:nvSpPr>
+        <p:spPr>
+          <a:xfrm>
+            <a:off x="373626" y="1356851"/>
+            <a:ext cx="11336593" cy="1533833"/>
+          </a:xfrm>
+        </p:spPr>
+        <p:txBody>
+          <a:bodyPr>
+            <a:noAutofit/>
+          </a:bodyPr>
+          <a:lstStyle/>
+          <a:p>
+            <a:pPr algn="l"/>
+            <a:r>
+              <a:rPr lang="en-US" altLang="zh-CN" sz="1600" dirty="0"/>
+              <a:t>Windows</a:t>
+            </a:r>
+            <a:r>
+              <a:rPr lang="zh-CN" altLang="en-US" sz="1600" dirty="0"/>
+              <a:t>下要使用很多</a:t>
+            </a:r>
+            <a:r>
+              <a:rPr lang="en-US" altLang="zh-CN" sz="1600" dirty="0"/>
+              <a:t>Linux/Unix</a:t>
+            </a:r>
+            <a:r>
+              <a:rPr lang="zh-CN" altLang="en-US" sz="1600" dirty="0"/>
+              <a:t>的工具时，需要</a:t>
+            </a:r>
+            <a:r>
+              <a:rPr lang="en-US" altLang="zh-CN" sz="1600" dirty="0"/>
+              <a:t>Cygwin</a:t>
+            </a:r>
+            <a:r>
+              <a:rPr lang="zh-CN" altLang="en-US" sz="1600" dirty="0"/>
+              <a:t>这样的模拟环境，</a:t>
+            </a:r>
+            <a:r>
+              <a:rPr lang="en-US" altLang="zh-CN" sz="1600" dirty="0" err="1"/>
+              <a:t>Git</a:t>
+            </a:r>
+            <a:r>
+              <a:rPr lang="zh-CN" altLang="en-US" sz="1600" dirty="0"/>
+              <a:t>也一样。</a:t>
+            </a:r>
+            <a:r>
+              <a:rPr lang="en-US" altLang="zh-CN" sz="1600" dirty="0"/>
+              <a:t>Cygwin</a:t>
+            </a:r>
+            <a:r>
+              <a:rPr lang="zh-CN" altLang="en-US" sz="1600" dirty="0"/>
+              <a:t>的安装和配置都比较复杂，就不建议你折腾了。不过，有高人已经把模拟环境和</a:t>
+            </a:r>
+            <a:r>
+              <a:rPr lang="en-US" altLang="zh-CN" sz="1600" dirty="0" err="1"/>
+              <a:t>Git</a:t>
+            </a:r>
+            <a:r>
+              <a:rPr lang="zh-CN" altLang="en-US" sz="1600" dirty="0"/>
+              <a:t>都打包好了，名叫</a:t>
+            </a:r>
+            <a:r>
+              <a:rPr lang="en-US" altLang="zh-CN" sz="1600" dirty="0" err="1"/>
+              <a:t>msysgit</a:t>
+            </a:r>
+            <a:r>
+              <a:rPr lang="zh-CN" altLang="en-US" sz="1600" dirty="0"/>
+              <a:t>，只需要下载一个单独的</a:t>
+            </a:r>
+            <a:r>
+              <a:rPr lang="en-US" altLang="zh-CN" sz="1600" dirty="0"/>
+              <a:t>exe</a:t>
+            </a:r>
+            <a:r>
+              <a:rPr lang="zh-CN" altLang="en-US" sz="1600" dirty="0"/>
+              <a:t>安装程序，其他什么也不用装，绝对好用。</a:t>
+            </a:r>
+          </a:p>
+          <a:p>
+            <a:pPr algn="l"/>
+            <a:r>
+              <a:rPr lang="en-US" altLang="zh-CN" sz="1600" dirty="0" err="1"/>
+              <a:t>msysgit</a:t>
+            </a:r>
+            <a:r>
+              <a:rPr lang="zh-CN" altLang="en-US" sz="1600" dirty="0"/>
+              <a:t>是</a:t>
+            </a:r>
+            <a:r>
+              <a:rPr lang="en-US" altLang="zh-CN" sz="1600" dirty="0"/>
+              <a:t>Windows</a:t>
+            </a:r>
+            <a:r>
+              <a:rPr lang="zh-CN" altLang="en-US" sz="1600" dirty="0"/>
+              <a:t>版的</a:t>
+            </a:r>
+            <a:r>
+              <a:rPr lang="en-US" altLang="zh-CN" sz="1600" dirty="0" err="1"/>
+              <a:t>Git</a:t>
+            </a:r>
+            <a:r>
+              <a:rPr lang="zh-CN" altLang="en-US" sz="1600" dirty="0"/>
+              <a:t>，从</a:t>
+            </a:r>
+            <a:r>
+              <a:rPr lang="en-US" altLang="zh-CN" sz="1600" dirty="0">
+                <a:hlinkClick r:id="rId2"/>
+              </a:rPr>
+              <a:t>http://msysgit.github.io/</a:t>
+            </a:r>
+            <a:r>
+              <a:rPr lang="zh-CN" altLang="en-US" sz="1600" dirty="0"/>
+              <a:t>下载，然后按默认选项安装即可</a:t>
+            </a:r>
+            <a:r>
+              <a:rPr lang="zh-CN" altLang="en-US" sz="1600" dirty="0" smtClean="0"/>
+              <a:t>。</a:t>
+            </a:r>
+            <a:endParaRPr lang="en-US" altLang="zh-CN" sz="1600" dirty="0" smtClean="0"/>
+          </a:p>
+          <a:p>
+            <a:pPr algn="l"/>
+            <a:r>
+              <a:rPr lang="zh-CN" altLang="en-US" sz="1600" dirty="0"/>
+              <a:t>安装完成后，在开始菜单里找到“</a:t>
+            </a:r>
+            <a:r>
+              <a:rPr lang="en-US" altLang="zh-CN" sz="1600" dirty="0" err="1"/>
+              <a:t>Git</a:t>
+            </a:r>
+            <a:r>
+              <a:rPr lang="en-US" altLang="zh-CN" sz="1600" dirty="0"/>
+              <a:t>”-&gt;“</a:t>
+            </a:r>
+            <a:r>
+              <a:rPr lang="en-US" altLang="zh-CN" sz="1600" dirty="0" err="1"/>
+              <a:t>Git</a:t>
+            </a:r>
+            <a:r>
+              <a:rPr lang="en-US" altLang="zh-CN" sz="1600" dirty="0"/>
+              <a:t> Bash”</a:t>
+            </a:r>
+            <a:r>
+              <a:rPr lang="zh-CN" altLang="en-US" sz="1600" dirty="0"/>
+              <a:t>，蹦出一个类似命令行窗口的东西，就说明</a:t>
+            </a:r>
+            <a:r>
+              <a:rPr lang="en-US" altLang="zh-CN" sz="1600" dirty="0" err="1"/>
+              <a:t>Git</a:t>
+            </a:r>
+            <a:r>
+              <a:rPr lang="zh-CN" altLang="en-US" sz="1600" dirty="0"/>
+              <a:t>安装成功！</a:t>
+            </a:r>
+          </a:p>
+        </p:txBody>
+      </p:sp>
+      <p:pic>
+        <p:nvPicPr>
+          <p:cNvPr id="5" name="图片 4"/>
+          <p:cNvPicPr>
+            <a:picLocks noChangeAspect="1"/>
+          </p:cNvPicPr>
+          <p:nvPr/>
+        </p:nvPicPr>
+        <p:blipFill>
+          <a:blip r:embed="rId3"/>
+          <a:stretch>
+            <a:fillRect/>
+          </a:stretch>
+        </p:blipFill>
+        <p:spPr>
+          <a:xfrm>
+            <a:off x="428522" y="3097161"/>
+            <a:ext cx="5613400" cy="3213100"/>
+          </a:xfrm>
+          <a:prstGeom prst="rect">
+            <a:avLst/>
+          </a:prstGeom>
+        </p:spPr>
+      </p:pic>
+    </p:spTree>
+    <p:extLst>
+      <p:ext uri="{BB962C8B-B14F-4D97-AF65-F5344CB8AC3E}">
+        <p14:creationId xmlns:p14="http://schemas.microsoft.com/office/powerpoint/2010/main" val="1943327684"/>
+      </p:ext>
+    </p:extLst>
+  </p:cSld>
+  <p:clrMapOvr>
+    <a:masterClrMapping/>
+  </p:clrMapOvr>
+</p:sld>
+</file>
+
+<file path=ppt/slides/slide13.xml><?xml version="1.0" encoding="utf-8"?>
+<p:sld xmlns:a="http://schemas.openxmlformats.org/drawingml/2006/main" xmlns:r="http://schemas.openxmlformats.org/officeDocument/2006/relationships" xmlns:p="http://schemas.openxmlformats.org/presentationml/2006/main">
+  <p:cSld>
+    <p:spTree>
+      <p:nvGrpSpPr>
+        <p:cNvPr id="1" name=""/>
+        <p:cNvGrpSpPr/>
+        <p:nvPr/>
+      </p:nvGrpSpPr>
+      <p:grpSpPr>
+        <a:xfrm>
+          <a:off x="0" y="0"/>
+          <a:ext cx="0" cy="0"/>
+          <a:chOff x="0" y="0"/>
+          <a:chExt cx="0" cy="0"/>
+        </a:xfrm>
+      </p:grpSpPr>
+      <p:sp>
+        <p:nvSpPr>
+          <p:cNvPr id="2" name="标题 1"/>
+          <p:cNvSpPr>
+            <a:spLocks noGrp="1"/>
+          </p:cNvSpPr>
+          <p:nvPr>
+            <p:ph type="ctrTitle"/>
+          </p:nvPr>
+        </p:nvSpPr>
+        <p:spPr>
+          <a:xfrm>
+            <a:off x="373626" y="309716"/>
+            <a:ext cx="7590503" cy="840658"/>
+          </a:xfrm>
+        </p:spPr>
+        <p:txBody>
+          <a:bodyPr>
+            <a:normAutofit/>
+          </a:bodyPr>
+          <a:lstStyle/>
+          <a:p>
+            <a:pPr algn="l"/>
+            <a:r>
+              <a:rPr lang="zh-CN" altLang="en-US" sz="5400" dirty="0"/>
+              <a:t>安装</a:t>
+            </a:r>
+            <a:r>
+              <a:rPr lang="en-US" altLang="zh-CN" sz="5400" dirty="0" err="1" smtClean="0"/>
+              <a:t>Git</a:t>
+            </a:r>
+            <a:r>
+              <a:rPr lang="en-US" altLang="zh-CN" sz="5400" dirty="0" smtClean="0"/>
+              <a:t>--</a:t>
+            </a:r>
+            <a:r>
+              <a:rPr lang="zh-CN" altLang="en-US" sz="5400" dirty="0" smtClean="0"/>
+              <a:t>全局配置</a:t>
+            </a:r>
+            <a:endParaRPr lang="zh-CN" altLang="en-US" sz="5400" dirty="0"/>
+          </a:p>
+        </p:txBody>
+      </p:sp>
+      <p:sp>
+        <p:nvSpPr>
+          <p:cNvPr id="3" name="副标题 2"/>
+          <p:cNvSpPr>
+            <a:spLocks noGrp="1"/>
+          </p:cNvSpPr>
+          <p:nvPr>
+            <p:ph type="subTitle" idx="1"/>
+          </p:nvPr>
+        </p:nvSpPr>
+        <p:spPr>
+          <a:xfrm>
+            <a:off x="373626" y="1356851"/>
+            <a:ext cx="11336593" cy="4055807"/>
+          </a:xfrm>
+        </p:spPr>
+        <p:txBody>
+          <a:bodyPr>
+            <a:noAutofit/>
+          </a:bodyPr>
+          <a:lstStyle/>
+          <a:p>
+            <a:pPr algn="l">
+              <a:lnSpc>
+                <a:spcPct val="150000"/>
+              </a:lnSpc>
+            </a:pPr>
+            <a:r>
+              <a:rPr lang="zh-CN" altLang="en-US" sz="1600" dirty="0"/>
+              <a:t>安装完成后，还需要最后一步设置，在命令行输入：</a:t>
+            </a:r>
+          </a:p>
+          <a:p>
+            <a:pPr algn="l">
+              <a:lnSpc>
+                <a:spcPct val="150000"/>
+              </a:lnSpc>
+            </a:pPr>
+            <a:r>
+              <a:rPr lang="en-US" altLang="zh-CN" sz="1600" dirty="0"/>
+              <a:t>$ </a:t>
+            </a:r>
+            <a:r>
+              <a:rPr lang="en-US" altLang="zh-CN" sz="1600" dirty="0" err="1" smtClean="0"/>
+              <a:t>git</a:t>
+            </a:r>
+            <a:r>
+              <a:rPr lang="en-US" altLang="zh-CN" sz="1600" dirty="0" smtClean="0"/>
+              <a:t> </a:t>
+            </a:r>
+            <a:r>
+              <a:rPr lang="en-US" altLang="zh-CN" sz="1600" dirty="0" err="1" smtClean="0"/>
+              <a:t>config</a:t>
+            </a:r>
+            <a:r>
+              <a:rPr lang="en-US" altLang="zh-CN" sz="1600" dirty="0" smtClean="0"/>
+              <a:t> --global </a:t>
+            </a:r>
+            <a:r>
+              <a:rPr lang="en-US" altLang="zh-CN" sz="1600" dirty="0" err="1" smtClean="0"/>
+              <a:t>user.name</a:t>
+            </a:r>
+            <a:r>
+              <a:rPr lang="en-US" altLang="zh-CN" sz="1600" dirty="0" smtClean="0"/>
+              <a:t> </a:t>
+            </a:r>
+            <a:r>
+              <a:rPr lang="en-US" altLang="zh-CN" sz="1600" dirty="0"/>
+              <a:t>"Your Name"</a:t>
+            </a:r>
+            <a:r>
+              <a:rPr lang="zh-CN" altLang="en-US" sz="1600" dirty="0" smtClean="0"/>
+              <a:t> </a:t>
+            </a:r>
+            <a:endParaRPr lang="en-US" altLang="zh-CN" sz="1600" dirty="0" smtClean="0"/>
+          </a:p>
+          <a:p>
+            <a:pPr algn="l">
+              <a:lnSpc>
+                <a:spcPct val="150000"/>
+              </a:lnSpc>
+            </a:pPr>
+            <a:r>
+              <a:rPr lang="en-US" altLang="zh-CN" sz="1600" dirty="0" smtClean="0"/>
+              <a:t>$ </a:t>
+            </a:r>
+            <a:r>
+              <a:rPr lang="en-US" altLang="zh-CN" sz="1600" dirty="0" err="1" smtClean="0"/>
+              <a:t>git</a:t>
+            </a:r>
+            <a:r>
+              <a:rPr lang="en-US" altLang="zh-CN" sz="1600" dirty="0" smtClean="0"/>
+              <a:t> </a:t>
+            </a:r>
+            <a:r>
+              <a:rPr lang="en-US" altLang="zh-CN" sz="1600" dirty="0" err="1" smtClean="0"/>
+              <a:t>config</a:t>
+            </a:r>
+            <a:r>
+              <a:rPr lang="en-US" altLang="zh-CN" sz="1600" dirty="0" smtClean="0"/>
+              <a:t> --global </a:t>
+            </a:r>
+            <a:r>
+              <a:rPr lang="en-US" altLang="zh-CN" sz="1600" dirty="0" err="1" smtClean="0"/>
+              <a:t>user.email</a:t>
+            </a:r>
+            <a:r>
+              <a:rPr lang="en-US" altLang="zh-CN" sz="1600" dirty="0" smtClean="0"/>
+              <a:t> </a:t>
+            </a:r>
+            <a:r>
+              <a:rPr lang="en-US" altLang="zh-CN" sz="1600" dirty="0"/>
+              <a:t>"</a:t>
+            </a:r>
+            <a:r>
+              <a:rPr lang="en-US" altLang="zh-CN" sz="1600" dirty="0" err="1"/>
+              <a:t>email@example.com</a:t>
+            </a:r>
+            <a:r>
+              <a:rPr lang="en-US" altLang="zh-CN" sz="1600" dirty="0"/>
+              <a:t>"</a:t>
+            </a:r>
+            <a:r>
+              <a:rPr lang="zh-CN" altLang="en-US" sz="1600" dirty="0" smtClean="0"/>
+              <a:t> </a:t>
+            </a:r>
+            <a:endParaRPr lang="en-US" altLang="zh-CN" sz="1600" dirty="0" smtClean="0"/>
+          </a:p>
+          <a:p>
+            <a:pPr algn="l">
+              <a:lnSpc>
+                <a:spcPct val="150000"/>
+              </a:lnSpc>
+            </a:pPr>
+            <a:r>
+              <a:rPr lang="zh-CN" altLang="en-US" sz="1600" dirty="0" smtClean="0"/>
+              <a:t>因为</a:t>
+            </a:r>
+            <a:r>
+              <a:rPr lang="en-US" altLang="zh-CN" sz="1600" dirty="0" err="1"/>
+              <a:t>Git</a:t>
+            </a:r>
+            <a:r>
+              <a:rPr lang="zh-CN" altLang="en-US" sz="1600" dirty="0"/>
+              <a:t>是分布式版本控制系统，所以，每个机器都必须自报家门：你的名字和</a:t>
+            </a:r>
+            <a:r>
+              <a:rPr lang="en-US" altLang="zh-CN" sz="1600" dirty="0"/>
+              <a:t>Email</a:t>
+            </a:r>
+            <a:r>
+              <a:rPr lang="zh-CN" altLang="en-US" sz="1600" dirty="0"/>
+              <a:t>地址。你也许会担心，如果有人故意冒充别人怎么办？这个不必担心，首先我们相信大家都是善良无知的群众，其次，真的有冒充的也是有办法可查的。</a:t>
+            </a:r>
+          </a:p>
+          <a:p>
+            <a:pPr algn="l">
+              <a:lnSpc>
+                <a:spcPct val="150000"/>
+              </a:lnSpc>
+            </a:pPr>
+            <a:r>
+              <a:rPr lang="zh-CN" altLang="en-US" sz="1600" dirty="0"/>
+              <a:t>注意</a:t>
+            </a:r>
+            <a:r>
+              <a:rPr lang="en-US" altLang="zh-CN" sz="1600" dirty="0" err="1"/>
+              <a:t>git</a:t>
+            </a:r>
+            <a:r>
+              <a:rPr lang="en-US" altLang="zh-CN" sz="1600" dirty="0"/>
+              <a:t> </a:t>
+            </a:r>
+            <a:r>
+              <a:rPr lang="en-US" altLang="zh-CN" sz="1600" dirty="0" err="1"/>
+              <a:t>config</a:t>
+            </a:r>
+            <a:r>
+              <a:rPr lang="zh-CN" altLang="en-US" sz="1600" dirty="0"/>
+              <a:t>命令的</a:t>
+            </a:r>
+            <a:r>
+              <a:rPr lang="en-US" altLang="zh-CN" sz="1600" dirty="0"/>
+              <a:t>--global</a:t>
+            </a:r>
+            <a:r>
+              <a:rPr lang="zh-CN" altLang="en-US" sz="1600" dirty="0"/>
+              <a:t>参数，用了这个参数，表示你这台机器上所有的</a:t>
+            </a:r>
+            <a:r>
+              <a:rPr lang="en-US" altLang="zh-CN" sz="1600" dirty="0" err="1"/>
+              <a:t>Git</a:t>
+            </a:r>
+            <a:r>
+              <a:rPr lang="zh-CN" altLang="en-US" sz="1600" dirty="0"/>
+              <a:t>仓库都会使用这个配置，当然也可以对某个仓库指定不同的用户名和</a:t>
+            </a:r>
+            <a:r>
+              <a:rPr lang="en-US" altLang="zh-CN" sz="1600" dirty="0"/>
+              <a:t>Email</a:t>
+            </a:r>
+            <a:r>
+              <a:rPr lang="zh-CN" altLang="en-US" sz="1600" dirty="0"/>
+              <a:t>地址。</a:t>
+            </a:r>
+          </a:p>
+        </p:txBody>
+      </p:sp>
+    </p:spTree>
+    <p:extLst>
+      <p:ext uri="{BB962C8B-B14F-4D97-AF65-F5344CB8AC3E}">
+        <p14:creationId xmlns:p14="http://schemas.microsoft.com/office/powerpoint/2010/main" val="1295166342"/>
+      </p:ext>
+    </p:extLst>
+  </p:cSld>
+  <p:clrMapOvr>
+    <a:masterClrMapping/>
+  </p:clrMapOvr>
+</p:sld>
+</file>
+
 <file path=ppt/slides/slide2.xml><?xml version="1.0" encoding="utf-8"?>
 <p:sld xmlns:a="http://schemas.openxmlformats.org/drawingml/2006/main" xmlns:r="http://schemas.openxmlformats.org/officeDocument/2006/relationships" xmlns:p="http://schemas.openxmlformats.org/presentationml/2006/main">
   <p:cSld>
@@ -4152,7 +5098,7 @@
           <a:p>
             <a:pPr algn="l">
               <a:lnSpc>
-                <a:spcPct val="170000"/>
+                <a:spcPct val="150000"/>
               </a:lnSpc>
             </a:pPr>
             <a:r>
@@ -4227,7 +5173,7 @@
           <a:p>
             <a:pPr algn="l">
               <a:lnSpc>
-                <a:spcPct val="170000"/>
+                <a:spcPct val="150000"/>
               </a:lnSpc>
             </a:pPr>
             <a:r>
@@ -4250,7 +5196,7 @@
           <a:p>
             <a:pPr algn="l">
               <a:lnSpc>
-                <a:spcPct val="170000"/>
+                <a:spcPct val="150000"/>
               </a:lnSpc>
             </a:pPr>
             <a:r>
@@ -4297,7 +5243,7 @@
           <a:p>
             <a:pPr algn="l">
               <a:lnSpc>
-                <a:spcPct val="170000"/>
+                <a:spcPct val="150000"/>
               </a:lnSpc>
             </a:pPr>
             <a:r>
@@ -4368,7 +5314,7 @@
           <a:p>
             <a:pPr algn="l">
               <a:lnSpc>
-                <a:spcPct val="170000"/>
+                <a:spcPct val="150000"/>
               </a:lnSpc>
             </a:pPr>
             <a:r>
@@ -4495,7 +5441,7 @@
         <p:spPr>
           <a:xfrm>
             <a:off x="373626" y="1150373"/>
-            <a:ext cx="11336593" cy="1047137"/>
+            <a:ext cx="11336593" cy="1710814"/>
           </a:xfrm>
         </p:spPr>
         <p:txBody>
@@ -4504,7 +5450,11 @@
           </a:bodyPr>
           <a:lstStyle/>
           <a:p>
-            <a:pPr algn="l"/>
+            <a:pPr algn="l">
+              <a:lnSpc>
+                <a:spcPct val="150000"/>
+              </a:lnSpc>
+            </a:pPr>
             <a:r>
               <a:rPr lang="en-US" altLang="zh-CN" sz="1500" dirty="0"/>
               <a:t>Linus</a:t>
@@ -4539,7 +5489,11 @@
             </a:r>
           </a:p>
           <a:p>
-            <a:pPr algn="l"/>
+            <a:pPr algn="l">
+              <a:lnSpc>
+                <a:spcPct val="150000"/>
+              </a:lnSpc>
+            </a:pPr>
             <a:r>
               <a:rPr lang="zh-CN" altLang="en-US" sz="1500" dirty="0"/>
               <a:t>先说集中式版本控制系统，版本库是集中存放在中央服务器的，而干活的时候，用的都是自己的电脑，所以要先从中央服务器取得最新的版本，然后开始干活，干完活了，再把自己的活推送给中央服务器。中央服务器就好比是一个图书馆，你要改一本书，必须先从图书馆借出来，然后回到家自己改，改完了，再放回图书馆。</a:t>
@@ -4563,8 +5517,8 @@
         </p:blipFill>
         <p:spPr>
           <a:xfrm>
-            <a:off x="1248288" y="2461547"/>
-            <a:ext cx="5359400" cy="3822700"/>
+            <a:off x="7058741" y="3189669"/>
+            <a:ext cx="4503994" cy="3212564"/>
           </a:xfrm>
           <a:prstGeom prst="rect">
             <a:avLst/>
@@ -4663,7 +5617,7 @@
         <p:spPr>
           <a:xfrm>
             <a:off x="373626" y="1150373"/>
-            <a:ext cx="11336593" cy="3406879"/>
+            <a:ext cx="11336593" cy="5471653"/>
           </a:xfrm>
         </p:spPr>
         <p:txBody>
@@ -4672,7 +5626,11 @@
           </a:bodyPr>
           <a:lstStyle/>
           <a:p>
-            <a:pPr algn="l"/>
+            <a:pPr algn="l">
+              <a:lnSpc>
+                <a:spcPct val="150000"/>
+              </a:lnSpc>
+            </a:pPr>
             <a:r>
               <a:rPr lang="zh-CN" altLang="en-US" sz="1600" dirty="0"/>
               <a:t>集中式版本控制系统最大的毛病就是必须联网才能工作，如果在局域网内还好，带宽够大，速度够快，可如果在互联网上，遇到网速慢的话，可能提交一个</a:t>
@@ -4695,7 +5653,11 @@
             </a:r>
           </a:p>
           <a:p>
-            <a:pPr algn="l"/>
+            <a:pPr algn="l">
+              <a:lnSpc>
+                <a:spcPct val="150000"/>
+              </a:lnSpc>
+            </a:pPr>
             <a:r>
               <a:rPr lang="zh-CN" altLang="en-US" sz="1600" dirty="0"/>
               <a:t>那分布式版本控制系统与集中式版本控制系统有何不同呢？首先，分布式版本控制系统根本没有“中央服务器”，每个人的电脑上都是一个完整的版本库，这样，你工作的时候，就不需要联网了，因为版本库就在你自己的电脑上。既然每个人电脑上都有一个完整的版本库，那多个人如何协作呢？比方说你在自己电脑上改了文件</a:t>
@@ -4718,14 +5680,22 @@
             </a:r>
           </a:p>
           <a:p>
-            <a:pPr algn="l"/>
+            <a:pPr algn="l">
+              <a:lnSpc>
+                <a:spcPct val="150000"/>
+              </a:lnSpc>
+            </a:pPr>
             <a:r>
               <a:rPr lang="zh-CN" altLang="en-US" sz="1600" dirty="0"/>
               <a:t>和集中式版本控制系统相比，分布式版本控制系统的安全性要高很多，因为每个人电脑里都有完整的版本库，某一个人的电脑坏掉了不要紧，随便从其他人那里复制一个就可以了。而集中式版本控制系统的中央服务器要是出了问题，所有人都没法干活了。</a:t>
             </a:r>
           </a:p>
           <a:p>
-            <a:pPr algn="l"/>
+            <a:pPr algn="l">
+              <a:lnSpc>
+                <a:spcPct val="150000"/>
+              </a:lnSpc>
+            </a:pPr>
             <a:r>
               <a:rPr lang="zh-CN" altLang="en-US" sz="1600" dirty="0"/>
               <a:t>在实际使用分布式版本控制系统的时候，其实很少在两人之间的电脑上推送版本库的修改，因为可能你们俩不在一个局域网内，两台电脑互相访问不了，也可能今天你的同事病了，他的电脑压根没有开机。因此，分布式版本控制系统通常也有一台充当“中央服务器”的电脑，但这个服务器的作用仅仅是用来方便“交换”大家的修改，没有它大家也一样干活，只是交换修改不方便而已。</a:t>
@@ -4749,7 +5719,7 @@
         </p:blipFill>
         <p:spPr>
           <a:xfrm>
-            <a:off x="4652503" y="4439264"/>
+            <a:off x="9180258" y="2975486"/>
             <a:ext cx="2162942" cy="1821425"/>
           </a:xfrm>
           <a:prstGeom prst="rect">

--- a/doc/ppt/git.pptx
+++ b/doc/ppt/git.pptx
@@ -18,6 +18,10 @@
     <p:sldId id="266" r:id="rId12"/>
     <p:sldId id="267" r:id="rId13"/>
     <p:sldId id="268" r:id="rId14"/>
+    <p:sldId id="269" r:id="rId15"/>
+    <p:sldId id="270" r:id="rId16"/>
+    <p:sldId id="271" r:id="rId17"/>
+    <p:sldId id="272" r:id="rId18"/>
   </p:sldIdLst>
   <p:sldSz cx="12192000" cy="6858000"/>
   <p:notesSz cx="6858000" cy="9144000"/>
@@ -3983,6 +3987,1031 @@
 </p:sld>
 </file>
 
+<file path=ppt/slides/slide14.xml><?xml version="1.0" encoding="utf-8"?>
+<p:sld xmlns:a="http://schemas.openxmlformats.org/drawingml/2006/main" xmlns:r="http://schemas.openxmlformats.org/officeDocument/2006/relationships" xmlns:p="http://schemas.openxmlformats.org/presentationml/2006/main">
+  <p:cSld>
+    <p:spTree>
+      <p:nvGrpSpPr>
+        <p:cNvPr id="1" name=""/>
+        <p:cNvGrpSpPr/>
+        <p:nvPr/>
+      </p:nvGrpSpPr>
+      <p:grpSpPr>
+        <a:xfrm>
+          <a:off x="0" y="0"/>
+          <a:ext cx="0" cy="0"/>
+          <a:chOff x="0" y="0"/>
+          <a:chExt cx="0" cy="0"/>
+        </a:xfrm>
+      </p:grpSpPr>
+      <p:sp>
+        <p:nvSpPr>
+          <p:cNvPr id="2" name="标题 1"/>
+          <p:cNvSpPr>
+            <a:spLocks noGrp="1"/>
+          </p:cNvSpPr>
+          <p:nvPr>
+            <p:ph type="ctrTitle"/>
+          </p:nvPr>
+        </p:nvSpPr>
+        <p:spPr>
+          <a:xfrm>
+            <a:off x="373626" y="309716"/>
+            <a:ext cx="7590503" cy="840658"/>
+          </a:xfrm>
+        </p:spPr>
+        <p:txBody>
+          <a:bodyPr>
+            <a:normAutofit/>
+          </a:bodyPr>
+          <a:lstStyle/>
+          <a:p>
+            <a:pPr algn="l"/>
+            <a:r>
+              <a:rPr lang="zh-CN" altLang="en-US" sz="5400" dirty="0"/>
+              <a:t>创建版本库</a:t>
+            </a:r>
+          </a:p>
+        </p:txBody>
+      </p:sp>
+      <p:sp>
+        <p:nvSpPr>
+          <p:cNvPr id="3" name="副标题 2"/>
+          <p:cNvSpPr>
+            <a:spLocks noGrp="1"/>
+          </p:cNvSpPr>
+          <p:nvPr>
+            <p:ph type="subTitle" idx="1"/>
+          </p:nvPr>
+        </p:nvSpPr>
+        <p:spPr>
+          <a:xfrm>
+            <a:off x="373626" y="1356851"/>
+            <a:ext cx="11336593" cy="1354803"/>
+          </a:xfrm>
+        </p:spPr>
+        <p:txBody>
+          <a:bodyPr>
+            <a:noAutofit/>
+          </a:bodyPr>
+          <a:lstStyle/>
+          <a:p>
+            <a:pPr algn="l">
+              <a:lnSpc>
+                <a:spcPct val="150000"/>
+              </a:lnSpc>
+            </a:pPr>
+            <a:r>
+              <a:rPr lang="zh-CN" altLang="en-US" sz="1600" dirty="0"/>
+              <a:t>什么是版本库呢？版本库又名仓库，英文名</a:t>
+            </a:r>
+            <a:r>
+              <a:rPr lang="en-US" altLang="zh-CN" sz="1600" b="1" dirty="0"/>
+              <a:t>repository</a:t>
+            </a:r>
+            <a:r>
+              <a:rPr lang="zh-CN" altLang="en-US" sz="1600" dirty="0"/>
+              <a:t>，你可以简单理解成一个目录，这个目录里面的所有文件都可以被</a:t>
+            </a:r>
+            <a:r>
+              <a:rPr lang="en-US" altLang="zh-CN" sz="1600" dirty="0" err="1"/>
+              <a:t>Git</a:t>
+            </a:r>
+            <a:r>
+              <a:rPr lang="zh-CN" altLang="en-US" sz="1600" dirty="0"/>
+              <a:t>管理起来，每个文件的修改、删除，</a:t>
+            </a:r>
+            <a:r>
+              <a:rPr lang="en-US" altLang="zh-CN" sz="1600" dirty="0" err="1"/>
+              <a:t>Git</a:t>
+            </a:r>
+            <a:r>
+              <a:rPr lang="zh-CN" altLang="en-US" sz="1600" dirty="0"/>
+              <a:t>都能跟踪，以便任何时刻都可以追踪历史，或者在将来某个时刻可以“还原”。</a:t>
+            </a:r>
+          </a:p>
+          <a:p>
+            <a:pPr algn="l">
+              <a:lnSpc>
+                <a:spcPct val="150000"/>
+              </a:lnSpc>
+            </a:pPr>
+            <a:r>
+              <a:rPr lang="zh-CN" altLang="en-US" sz="1600" dirty="0"/>
+              <a:t>所以，创建一个版本库非常简单，首先，选择一个合适的地方，创建一个空目录：</a:t>
+            </a:r>
+          </a:p>
+        </p:txBody>
+      </p:sp>
+      <p:pic>
+        <p:nvPicPr>
+          <p:cNvPr id="4" name="图片 3"/>
+          <p:cNvPicPr>
+            <a:picLocks noChangeAspect="1"/>
+          </p:cNvPicPr>
+          <p:nvPr/>
+        </p:nvPicPr>
+        <p:blipFill>
+          <a:blip r:embed="rId2"/>
+          <a:stretch>
+            <a:fillRect/>
+          </a:stretch>
+        </p:blipFill>
+        <p:spPr>
+          <a:xfrm>
+            <a:off x="417870" y="2711654"/>
+            <a:ext cx="2971800" cy="1346200"/>
+          </a:xfrm>
+          <a:prstGeom prst="rect">
+            <a:avLst/>
+          </a:prstGeom>
+        </p:spPr>
+      </p:pic>
+      <p:sp>
+        <p:nvSpPr>
+          <p:cNvPr id="5" name="副标题 2"/>
+          <p:cNvSpPr txBox="1">
+            <a:spLocks/>
+          </p:cNvSpPr>
+          <p:nvPr/>
+        </p:nvSpPr>
+        <p:spPr>
+          <a:xfrm>
+            <a:off x="309716" y="4184445"/>
+            <a:ext cx="11336593" cy="1354803"/>
+          </a:xfrm>
+          <a:prstGeom prst="rect">
+            <a:avLst/>
+          </a:prstGeom>
+        </p:spPr>
+        <p:txBody>
+          <a:bodyPr vert="horz" lIns="91440" tIns="45720" rIns="91440" bIns="45720" rtlCol="0">
+            <a:noAutofit/>
+          </a:bodyPr>
+          <a:lstStyle>
+            <a:lvl1pPr marL="0" indent="0" algn="ctr" defTabSz="914400" rtl="0" eaLnBrk="1" latinLnBrk="0" hangingPunct="1">
+              <a:lnSpc>
+                <a:spcPct val="90000"/>
+              </a:lnSpc>
+              <a:spcBef>
+                <a:spcPts val="1000"/>
+              </a:spcBef>
+              <a:buFont typeface="Arial"/>
+              <a:buNone/>
+              <a:defRPr sz="2400" kern="1200">
+                <a:solidFill>
+                  <a:schemeClr val="tx1"/>
+                </a:solidFill>
+                <a:latin typeface="+mn-lt"/>
+                <a:ea typeface="+mn-ea"/>
+                <a:cs typeface="+mn-cs"/>
+              </a:defRPr>
+            </a:lvl1pPr>
+            <a:lvl2pPr marL="457200" indent="0" algn="ctr" defTabSz="914400" rtl="0" eaLnBrk="1" latinLnBrk="0" hangingPunct="1">
+              <a:lnSpc>
+                <a:spcPct val="90000"/>
+              </a:lnSpc>
+              <a:spcBef>
+                <a:spcPts val="500"/>
+              </a:spcBef>
+              <a:buFont typeface="Arial"/>
+              <a:buNone/>
+              <a:defRPr sz="2000" kern="1200">
+                <a:solidFill>
+                  <a:schemeClr val="tx1"/>
+                </a:solidFill>
+                <a:latin typeface="+mn-lt"/>
+                <a:ea typeface="+mn-ea"/>
+                <a:cs typeface="+mn-cs"/>
+              </a:defRPr>
+            </a:lvl2pPr>
+            <a:lvl3pPr marL="914400" indent="0" algn="ctr" defTabSz="914400" rtl="0" eaLnBrk="1" latinLnBrk="0" hangingPunct="1">
+              <a:lnSpc>
+                <a:spcPct val="90000"/>
+              </a:lnSpc>
+              <a:spcBef>
+                <a:spcPts val="500"/>
+              </a:spcBef>
+              <a:buFont typeface="Arial"/>
+              <a:buNone/>
+              <a:defRPr sz="1800" kern="1200">
+                <a:solidFill>
+                  <a:schemeClr val="tx1"/>
+                </a:solidFill>
+                <a:latin typeface="+mn-lt"/>
+                <a:ea typeface="+mn-ea"/>
+                <a:cs typeface="+mn-cs"/>
+              </a:defRPr>
+            </a:lvl3pPr>
+            <a:lvl4pPr marL="1371600" indent="0" algn="ctr" defTabSz="914400" rtl="0" eaLnBrk="1" latinLnBrk="0" hangingPunct="1">
+              <a:lnSpc>
+                <a:spcPct val="90000"/>
+              </a:lnSpc>
+              <a:spcBef>
+                <a:spcPts val="500"/>
+              </a:spcBef>
+              <a:buFont typeface="Arial"/>
+              <a:buNone/>
+              <a:defRPr sz="1600" kern="1200">
+                <a:solidFill>
+                  <a:schemeClr val="tx1"/>
+                </a:solidFill>
+                <a:latin typeface="+mn-lt"/>
+                <a:ea typeface="+mn-ea"/>
+                <a:cs typeface="+mn-cs"/>
+              </a:defRPr>
+            </a:lvl4pPr>
+            <a:lvl5pPr marL="1828800" indent="0" algn="ctr" defTabSz="914400" rtl="0" eaLnBrk="1" latinLnBrk="0" hangingPunct="1">
+              <a:lnSpc>
+                <a:spcPct val="90000"/>
+              </a:lnSpc>
+              <a:spcBef>
+                <a:spcPts val="500"/>
+              </a:spcBef>
+              <a:buFont typeface="Arial"/>
+              <a:buNone/>
+              <a:defRPr sz="1600" kern="1200">
+                <a:solidFill>
+                  <a:schemeClr val="tx1"/>
+                </a:solidFill>
+                <a:latin typeface="+mn-lt"/>
+                <a:ea typeface="+mn-ea"/>
+                <a:cs typeface="+mn-cs"/>
+              </a:defRPr>
+            </a:lvl5pPr>
+            <a:lvl6pPr marL="2286000" indent="0" algn="ctr" defTabSz="914400" rtl="0" eaLnBrk="1" latinLnBrk="0" hangingPunct="1">
+              <a:lnSpc>
+                <a:spcPct val="90000"/>
+              </a:lnSpc>
+              <a:spcBef>
+                <a:spcPts val="500"/>
+              </a:spcBef>
+              <a:buFont typeface="Arial"/>
+              <a:buNone/>
+              <a:defRPr sz="1600" kern="1200">
+                <a:solidFill>
+                  <a:schemeClr val="tx1"/>
+                </a:solidFill>
+                <a:latin typeface="+mn-lt"/>
+                <a:ea typeface="+mn-ea"/>
+                <a:cs typeface="+mn-cs"/>
+              </a:defRPr>
+            </a:lvl6pPr>
+            <a:lvl7pPr marL="2743200" indent="0" algn="ctr" defTabSz="914400" rtl="0" eaLnBrk="1" latinLnBrk="0" hangingPunct="1">
+              <a:lnSpc>
+                <a:spcPct val="90000"/>
+              </a:lnSpc>
+              <a:spcBef>
+                <a:spcPts val="500"/>
+              </a:spcBef>
+              <a:buFont typeface="Arial"/>
+              <a:buNone/>
+              <a:defRPr sz="1600" kern="1200">
+                <a:solidFill>
+                  <a:schemeClr val="tx1"/>
+                </a:solidFill>
+                <a:latin typeface="+mn-lt"/>
+                <a:ea typeface="+mn-ea"/>
+                <a:cs typeface="+mn-cs"/>
+              </a:defRPr>
+            </a:lvl7pPr>
+            <a:lvl8pPr marL="3200400" indent="0" algn="ctr" defTabSz="914400" rtl="0" eaLnBrk="1" latinLnBrk="0" hangingPunct="1">
+              <a:lnSpc>
+                <a:spcPct val="90000"/>
+              </a:lnSpc>
+              <a:spcBef>
+                <a:spcPts val="500"/>
+              </a:spcBef>
+              <a:buFont typeface="Arial"/>
+              <a:buNone/>
+              <a:defRPr sz="1600" kern="1200">
+                <a:solidFill>
+                  <a:schemeClr val="tx1"/>
+                </a:solidFill>
+                <a:latin typeface="+mn-lt"/>
+                <a:ea typeface="+mn-ea"/>
+                <a:cs typeface="+mn-cs"/>
+              </a:defRPr>
+            </a:lvl8pPr>
+            <a:lvl9pPr marL="3657600" indent="0" algn="ctr" defTabSz="914400" rtl="0" eaLnBrk="1" latinLnBrk="0" hangingPunct="1">
+              <a:lnSpc>
+                <a:spcPct val="90000"/>
+              </a:lnSpc>
+              <a:spcBef>
+                <a:spcPts val="500"/>
+              </a:spcBef>
+              <a:buFont typeface="Arial"/>
+              <a:buNone/>
+              <a:defRPr sz="1600" kern="1200">
+                <a:solidFill>
+                  <a:schemeClr val="tx1"/>
+                </a:solidFill>
+                <a:latin typeface="+mn-lt"/>
+                <a:ea typeface="+mn-ea"/>
+                <a:cs typeface="+mn-cs"/>
+              </a:defRPr>
+            </a:lvl9pPr>
+          </a:lstStyle>
+          <a:p>
+            <a:pPr algn="l"/>
+            <a:r>
+              <a:rPr lang="en-US" altLang="zh-CN" sz="1600" dirty="0" err="1"/>
+              <a:t>pwd</a:t>
+            </a:r>
+            <a:r>
+              <a:rPr lang="zh-CN" altLang="en-US" sz="1600" dirty="0"/>
+              <a:t>命令用于显示当前目录</a:t>
+            </a:r>
+            <a:r>
+              <a:rPr lang="zh-CN" altLang="en-US" sz="1600" dirty="0" smtClean="0"/>
+              <a:t>。</a:t>
+            </a:r>
+            <a:r>
+              <a:rPr lang="zh-CN" altLang="en-US" sz="1600" dirty="0" smtClean="0"/>
+              <a:t>现在</a:t>
+            </a:r>
+            <a:r>
+              <a:rPr lang="zh-CN" altLang="en-US" sz="1600" dirty="0" smtClean="0"/>
+              <a:t>这个</a:t>
+            </a:r>
+            <a:r>
+              <a:rPr lang="zh-CN" altLang="en-US" sz="1600" dirty="0"/>
+              <a:t>仓库</a:t>
+            </a:r>
+            <a:r>
+              <a:rPr lang="zh-CN" altLang="en-US" sz="1600" dirty="0" smtClean="0"/>
+              <a:t>位于</a:t>
+            </a:r>
+            <a:r>
+              <a:rPr lang="en-US" altLang="zh-CN" sz="1600" dirty="0" smtClean="0"/>
+              <a:t>/Users/</a:t>
+            </a:r>
+            <a:r>
+              <a:rPr lang="en-US" altLang="zh-CN" sz="1600" dirty="0" err="1" smtClean="0"/>
+              <a:t>noprom</a:t>
+            </a:r>
+            <a:r>
+              <a:rPr lang="en-US" altLang="zh-CN" sz="1600" dirty="0" smtClean="0"/>
+              <a:t>/Desktop/</a:t>
+            </a:r>
+            <a:r>
+              <a:rPr lang="en-US" altLang="zh-CN" sz="1600" dirty="0" err="1" smtClean="0"/>
+              <a:t>learngit</a:t>
+            </a:r>
+            <a:endParaRPr lang="en-US" altLang="zh-CN" sz="1600" dirty="0" smtClean="0"/>
+          </a:p>
+          <a:p>
+            <a:pPr algn="l"/>
+            <a:r>
+              <a:rPr lang="zh-CN" altLang="en-US" sz="1600" dirty="0" smtClean="0"/>
+              <a:t>如果</a:t>
+            </a:r>
+            <a:r>
+              <a:rPr lang="zh-CN" altLang="en-US" sz="1600" dirty="0"/>
+              <a:t>你使用</a:t>
+            </a:r>
+            <a:r>
+              <a:rPr lang="en-US" altLang="zh-CN" sz="1600" dirty="0"/>
+              <a:t>Windows</a:t>
+            </a:r>
+            <a:r>
+              <a:rPr lang="zh-CN" altLang="en-US" sz="1600" dirty="0"/>
+              <a:t>系统，为了避免遇到各种莫名其妙的问题，请确保目录名（包括父目录）不包含中文。</a:t>
+            </a:r>
+          </a:p>
+          <a:p>
+            <a:pPr algn="l"/>
+            <a:r>
+              <a:rPr lang="zh-CN" altLang="en-US" sz="1600" dirty="0"/>
+              <a:t>第二步，通过</a:t>
+            </a:r>
+            <a:r>
+              <a:rPr lang="en-US" altLang="zh-CN" sz="1600" dirty="0" err="1"/>
+              <a:t>git</a:t>
+            </a:r>
+            <a:r>
+              <a:rPr lang="en-US" altLang="zh-CN" sz="1600" dirty="0"/>
+              <a:t> </a:t>
+            </a:r>
+            <a:r>
+              <a:rPr lang="en-US" altLang="zh-CN" sz="1600" dirty="0" err="1"/>
+              <a:t>init</a:t>
+            </a:r>
+            <a:r>
+              <a:rPr lang="zh-CN" altLang="en-US" sz="1600" dirty="0"/>
+              <a:t>命令把这个目录变成</a:t>
+            </a:r>
+            <a:r>
+              <a:rPr lang="en-US" altLang="zh-CN" sz="1600" dirty="0" err="1"/>
+              <a:t>Git</a:t>
+            </a:r>
+            <a:r>
+              <a:rPr lang="zh-CN" altLang="en-US" sz="1600" dirty="0"/>
+              <a:t>可以管理的仓库：</a:t>
+            </a:r>
+          </a:p>
+        </p:txBody>
+      </p:sp>
+      <p:pic>
+        <p:nvPicPr>
+          <p:cNvPr id="6" name="图片 5"/>
+          <p:cNvPicPr>
+            <a:picLocks noChangeAspect="1"/>
+          </p:cNvPicPr>
+          <p:nvPr/>
+        </p:nvPicPr>
+        <p:blipFill>
+          <a:blip r:embed="rId3"/>
+          <a:stretch>
+            <a:fillRect/>
+          </a:stretch>
+        </p:blipFill>
+        <p:spPr>
+          <a:xfrm>
+            <a:off x="417870" y="5316792"/>
+            <a:ext cx="6553200" cy="698500"/>
+          </a:xfrm>
+          <a:prstGeom prst="rect">
+            <a:avLst/>
+          </a:prstGeom>
+        </p:spPr>
+      </p:pic>
+    </p:spTree>
+    <p:extLst>
+      <p:ext uri="{BB962C8B-B14F-4D97-AF65-F5344CB8AC3E}">
+        <p14:creationId xmlns:p14="http://schemas.microsoft.com/office/powerpoint/2010/main" val="780821396"/>
+      </p:ext>
+    </p:extLst>
+  </p:cSld>
+  <p:clrMapOvr>
+    <a:masterClrMapping/>
+  </p:clrMapOvr>
+</p:sld>
+</file>
+
+<file path=ppt/slides/slide15.xml><?xml version="1.0" encoding="utf-8"?>
+<p:sld xmlns:a="http://schemas.openxmlformats.org/drawingml/2006/main" xmlns:r="http://schemas.openxmlformats.org/officeDocument/2006/relationships" xmlns:p="http://schemas.openxmlformats.org/presentationml/2006/main">
+  <p:cSld>
+    <p:spTree>
+      <p:nvGrpSpPr>
+        <p:cNvPr id="1" name=""/>
+        <p:cNvGrpSpPr/>
+        <p:nvPr/>
+      </p:nvGrpSpPr>
+      <p:grpSpPr>
+        <a:xfrm>
+          <a:off x="0" y="0"/>
+          <a:ext cx="0" cy="0"/>
+          <a:chOff x="0" y="0"/>
+          <a:chExt cx="0" cy="0"/>
+        </a:xfrm>
+      </p:grpSpPr>
+      <p:sp>
+        <p:nvSpPr>
+          <p:cNvPr id="2" name="标题 1"/>
+          <p:cNvSpPr>
+            <a:spLocks noGrp="1"/>
+          </p:cNvSpPr>
+          <p:nvPr>
+            <p:ph type="ctrTitle"/>
+          </p:nvPr>
+        </p:nvSpPr>
+        <p:spPr>
+          <a:xfrm>
+            <a:off x="373626" y="309716"/>
+            <a:ext cx="7590503" cy="840658"/>
+          </a:xfrm>
+        </p:spPr>
+        <p:txBody>
+          <a:bodyPr>
+            <a:normAutofit/>
+          </a:bodyPr>
+          <a:lstStyle/>
+          <a:p>
+            <a:pPr algn="l"/>
+            <a:r>
+              <a:rPr lang="zh-CN" altLang="en-US" sz="5400" dirty="0"/>
+              <a:t>创建版本库</a:t>
+            </a:r>
+          </a:p>
+        </p:txBody>
+      </p:sp>
+      <p:sp>
+        <p:nvSpPr>
+          <p:cNvPr id="3" name="副标题 2"/>
+          <p:cNvSpPr>
+            <a:spLocks noGrp="1"/>
+          </p:cNvSpPr>
+          <p:nvPr>
+            <p:ph type="subTitle" idx="1"/>
+          </p:nvPr>
+        </p:nvSpPr>
+        <p:spPr>
+          <a:xfrm>
+            <a:off x="373626" y="1356851"/>
+            <a:ext cx="11336593" cy="1696065"/>
+          </a:xfrm>
+        </p:spPr>
+        <p:txBody>
+          <a:bodyPr>
+            <a:noAutofit/>
+          </a:bodyPr>
+          <a:lstStyle/>
+          <a:p>
+            <a:pPr algn="l">
+              <a:lnSpc>
+                <a:spcPct val="150000"/>
+              </a:lnSpc>
+            </a:pPr>
+            <a:r>
+              <a:rPr lang="zh-CN" altLang="en-US" sz="1600" dirty="0"/>
+              <a:t>瞬间</a:t>
+            </a:r>
+            <a:r>
+              <a:rPr lang="en-US" altLang="zh-CN" sz="1600" dirty="0" err="1"/>
+              <a:t>Git</a:t>
+            </a:r>
+            <a:r>
+              <a:rPr lang="zh-CN" altLang="en-US" sz="1600" dirty="0"/>
+              <a:t>就把仓库建好了，而且告诉你是一个空的仓库（</a:t>
+            </a:r>
+            <a:r>
+              <a:rPr lang="en-US" altLang="zh-CN" sz="1600" dirty="0"/>
+              <a:t>empty </a:t>
+            </a:r>
+            <a:r>
+              <a:rPr lang="en-US" altLang="zh-CN" sz="1600" dirty="0" err="1"/>
+              <a:t>Git</a:t>
+            </a:r>
+            <a:r>
+              <a:rPr lang="en-US" altLang="zh-CN" sz="1600" dirty="0"/>
+              <a:t> repository</a:t>
+            </a:r>
+            <a:r>
+              <a:rPr lang="zh-CN" altLang="en-US" sz="1600" dirty="0"/>
+              <a:t>），细心的读者可以发现当前目录下多了一个</a:t>
+            </a:r>
+            <a:r>
+              <a:rPr lang="en-US" altLang="zh-CN" sz="1600" dirty="0"/>
+              <a:t>.</a:t>
+            </a:r>
+            <a:r>
+              <a:rPr lang="en-US" altLang="zh-CN" sz="1600" dirty="0" err="1"/>
+              <a:t>git</a:t>
+            </a:r>
+            <a:r>
+              <a:rPr lang="zh-CN" altLang="en-US" sz="1600" dirty="0"/>
+              <a:t>的目录，这个目录是</a:t>
+            </a:r>
+            <a:r>
+              <a:rPr lang="en-US" altLang="zh-CN" sz="1600" dirty="0" err="1"/>
+              <a:t>Git</a:t>
+            </a:r>
+            <a:r>
+              <a:rPr lang="zh-CN" altLang="en-US" sz="1600" dirty="0"/>
+              <a:t>来跟踪管理版本库的，没事千万不要手动修改这个目录里面的文件，不然改乱了，就把</a:t>
+            </a:r>
+            <a:r>
+              <a:rPr lang="en-US" altLang="zh-CN" sz="1600" dirty="0" err="1"/>
+              <a:t>Git</a:t>
+            </a:r>
+            <a:r>
+              <a:rPr lang="zh-CN" altLang="en-US" sz="1600" dirty="0"/>
+              <a:t>仓库给破坏了。</a:t>
+            </a:r>
+          </a:p>
+          <a:p>
+            <a:pPr algn="l">
+              <a:lnSpc>
+                <a:spcPct val="150000"/>
+              </a:lnSpc>
+            </a:pPr>
+            <a:r>
+              <a:rPr lang="zh-CN" altLang="en-US" sz="1600" dirty="0"/>
+              <a:t>如果你没有看到</a:t>
+            </a:r>
+            <a:r>
+              <a:rPr lang="en-US" altLang="zh-CN" sz="1600" dirty="0"/>
+              <a:t>.</a:t>
+            </a:r>
+            <a:r>
+              <a:rPr lang="en-US" altLang="zh-CN" sz="1600" dirty="0" err="1"/>
+              <a:t>git</a:t>
+            </a:r>
+            <a:r>
+              <a:rPr lang="zh-CN" altLang="en-US" sz="1600" dirty="0"/>
+              <a:t>目录，那是因为这个目录默认是隐藏的，用</a:t>
+            </a:r>
+            <a:r>
+              <a:rPr lang="en-US" altLang="zh-CN" sz="1600" dirty="0" err="1"/>
+              <a:t>ls</a:t>
+            </a:r>
+            <a:r>
+              <a:rPr lang="en-US" altLang="zh-CN" sz="1600" dirty="0"/>
+              <a:t> -ah</a:t>
+            </a:r>
+            <a:r>
+              <a:rPr lang="zh-CN" altLang="en-US" sz="1600" dirty="0"/>
+              <a:t>命令就可以看见。</a:t>
+            </a:r>
+          </a:p>
+        </p:txBody>
+      </p:sp>
+      <p:pic>
+        <p:nvPicPr>
+          <p:cNvPr id="7" name="图片 6"/>
+          <p:cNvPicPr>
+            <a:picLocks noChangeAspect="1"/>
+          </p:cNvPicPr>
+          <p:nvPr/>
+        </p:nvPicPr>
+        <p:blipFill>
+          <a:blip r:embed="rId2"/>
+          <a:stretch>
+            <a:fillRect/>
+          </a:stretch>
+        </p:blipFill>
+        <p:spPr>
+          <a:xfrm>
+            <a:off x="403122" y="3259393"/>
+            <a:ext cx="4622800" cy="1066800"/>
+          </a:xfrm>
+          <a:prstGeom prst="rect">
+            <a:avLst/>
+          </a:prstGeom>
+        </p:spPr>
+      </p:pic>
+    </p:spTree>
+    <p:extLst>
+      <p:ext uri="{BB962C8B-B14F-4D97-AF65-F5344CB8AC3E}">
+        <p14:creationId xmlns:p14="http://schemas.microsoft.com/office/powerpoint/2010/main" val="246247255"/>
+      </p:ext>
+    </p:extLst>
+  </p:cSld>
+  <p:clrMapOvr>
+    <a:masterClrMapping/>
+  </p:clrMapOvr>
+</p:sld>
+</file>
+
+<file path=ppt/slides/slide16.xml><?xml version="1.0" encoding="utf-8"?>
+<p:sld xmlns:a="http://schemas.openxmlformats.org/drawingml/2006/main" xmlns:r="http://schemas.openxmlformats.org/officeDocument/2006/relationships" xmlns:p="http://schemas.openxmlformats.org/presentationml/2006/main">
+  <p:cSld>
+    <p:spTree>
+      <p:nvGrpSpPr>
+        <p:cNvPr id="1" name=""/>
+        <p:cNvGrpSpPr/>
+        <p:nvPr/>
+      </p:nvGrpSpPr>
+      <p:grpSpPr>
+        <a:xfrm>
+          <a:off x="0" y="0"/>
+          <a:ext cx="0" cy="0"/>
+          <a:chOff x="0" y="0"/>
+          <a:chExt cx="0" cy="0"/>
+        </a:xfrm>
+      </p:grpSpPr>
+      <p:sp>
+        <p:nvSpPr>
+          <p:cNvPr id="2" name="标题 1"/>
+          <p:cNvSpPr>
+            <a:spLocks noGrp="1"/>
+          </p:cNvSpPr>
+          <p:nvPr>
+            <p:ph type="ctrTitle"/>
+          </p:nvPr>
+        </p:nvSpPr>
+        <p:spPr>
+          <a:xfrm>
+            <a:off x="373626" y="309716"/>
+            <a:ext cx="7590503" cy="840658"/>
+          </a:xfrm>
+        </p:spPr>
+        <p:txBody>
+          <a:bodyPr>
+            <a:normAutofit/>
+          </a:bodyPr>
+          <a:lstStyle/>
+          <a:p>
+            <a:pPr algn="l"/>
+            <a:r>
+              <a:rPr lang="zh-CN" altLang="en-US" sz="5400" dirty="0"/>
+              <a:t>创建</a:t>
+            </a:r>
+            <a:r>
+              <a:rPr lang="zh-CN" altLang="en-US" sz="5400" dirty="0" smtClean="0"/>
+              <a:t>版本库</a:t>
+            </a:r>
+            <a:r>
+              <a:rPr lang="en-US" altLang="zh-CN" sz="5400" dirty="0" smtClean="0"/>
+              <a:t>--</a:t>
+            </a:r>
+            <a:r>
+              <a:rPr lang="zh-CN" altLang="en-US" sz="5400" dirty="0" smtClean="0"/>
+              <a:t>添加文件</a:t>
+            </a:r>
+            <a:endParaRPr lang="zh-CN" altLang="en-US" sz="5400" dirty="0"/>
+          </a:p>
+        </p:txBody>
+      </p:sp>
+      <p:sp>
+        <p:nvSpPr>
+          <p:cNvPr id="3" name="副标题 2"/>
+          <p:cNvSpPr>
+            <a:spLocks noGrp="1"/>
+          </p:cNvSpPr>
+          <p:nvPr>
+            <p:ph type="subTitle" idx="1"/>
+          </p:nvPr>
+        </p:nvSpPr>
+        <p:spPr>
+          <a:xfrm>
+            <a:off x="373626" y="1356852"/>
+            <a:ext cx="11336593" cy="958645"/>
+          </a:xfrm>
+        </p:spPr>
+        <p:txBody>
+          <a:bodyPr>
+            <a:noAutofit/>
+          </a:bodyPr>
+          <a:lstStyle/>
+          <a:p>
+            <a:pPr algn="l">
+              <a:lnSpc>
+                <a:spcPct val="150000"/>
+              </a:lnSpc>
+            </a:pPr>
+            <a:r>
+              <a:rPr lang="zh-CN" altLang="en-US" sz="1600" dirty="0"/>
+              <a:t>现在我们编写一个</a:t>
+            </a:r>
+            <a:r>
+              <a:rPr lang="en-US" altLang="zh-CN" sz="1600" dirty="0" err="1" smtClean="0"/>
+              <a:t>readme.txt</a:t>
+            </a:r>
+            <a:r>
+              <a:rPr lang="zh-CN" altLang="en-US" sz="1600" dirty="0"/>
+              <a:t>文件，内容如下</a:t>
+            </a:r>
+            <a:r>
+              <a:rPr lang="zh-CN" altLang="en-US" sz="1600" dirty="0" smtClean="0"/>
+              <a:t>：</a:t>
+            </a:r>
+          </a:p>
+          <a:p>
+            <a:pPr algn="l">
+              <a:lnSpc>
+                <a:spcPct val="150000"/>
+              </a:lnSpc>
+            </a:pPr>
+            <a:r>
+              <a:rPr lang="en-US" altLang="zh-CN" sz="1600" dirty="0" err="1" smtClean="0"/>
+              <a:t>Git</a:t>
+            </a:r>
+            <a:r>
+              <a:rPr lang="en-US" altLang="zh-CN" sz="1600" dirty="0" smtClean="0"/>
+              <a:t> </a:t>
+            </a:r>
+            <a:r>
+              <a:rPr lang="en-US" altLang="zh-CN" sz="1600" b="1" dirty="0"/>
+              <a:t>is</a:t>
+            </a:r>
+            <a:r>
+              <a:rPr lang="en-US" altLang="zh-CN" sz="1600" dirty="0" smtClean="0"/>
+              <a:t> a version control system. </a:t>
+            </a:r>
+            <a:r>
+              <a:rPr lang="en-US" altLang="zh-CN" sz="1600" dirty="0" err="1" smtClean="0"/>
+              <a:t>Git</a:t>
+            </a:r>
+            <a:r>
+              <a:rPr lang="en-US" altLang="zh-CN" sz="1600" dirty="0" smtClean="0"/>
+              <a:t> </a:t>
+            </a:r>
+            <a:r>
+              <a:rPr lang="en-US" altLang="zh-CN" sz="1600" b="1" dirty="0"/>
+              <a:t>is</a:t>
+            </a:r>
+            <a:r>
+              <a:rPr lang="en-US" altLang="zh-CN" sz="1600" dirty="0" smtClean="0"/>
+              <a:t> free software.</a:t>
+            </a:r>
+            <a:endParaRPr lang="zh-CN" altLang="en-US" sz="1600" dirty="0"/>
+          </a:p>
+        </p:txBody>
+      </p:sp>
+      <p:pic>
+        <p:nvPicPr>
+          <p:cNvPr id="4" name="图片 3"/>
+          <p:cNvPicPr>
+            <a:picLocks noChangeAspect="1"/>
+          </p:cNvPicPr>
+          <p:nvPr/>
+        </p:nvPicPr>
+        <p:blipFill>
+          <a:blip r:embed="rId2"/>
+          <a:stretch>
+            <a:fillRect/>
+          </a:stretch>
+        </p:blipFill>
+        <p:spPr>
+          <a:xfrm>
+            <a:off x="432618" y="2521975"/>
+            <a:ext cx="7124700" cy="3352800"/>
+          </a:xfrm>
+          <a:prstGeom prst="rect">
+            <a:avLst/>
+          </a:prstGeom>
+        </p:spPr>
+      </p:pic>
+    </p:spTree>
+    <p:extLst>
+      <p:ext uri="{BB962C8B-B14F-4D97-AF65-F5344CB8AC3E}">
+        <p14:creationId xmlns:p14="http://schemas.microsoft.com/office/powerpoint/2010/main" val="110613202"/>
+      </p:ext>
+    </p:extLst>
+  </p:cSld>
+  <p:clrMapOvr>
+    <a:masterClrMapping/>
+  </p:clrMapOvr>
+</p:sld>
+</file>
+
+<file path=ppt/slides/slide17.xml><?xml version="1.0" encoding="utf-8"?>
+<p:sld xmlns:a="http://schemas.openxmlformats.org/drawingml/2006/main" xmlns:r="http://schemas.openxmlformats.org/officeDocument/2006/relationships" xmlns:p="http://schemas.openxmlformats.org/presentationml/2006/main">
+  <p:cSld>
+    <p:spTree>
+      <p:nvGrpSpPr>
+        <p:cNvPr id="1" name=""/>
+        <p:cNvGrpSpPr/>
+        <p:nvPr/>
+      </p:nvGrpSpPr>
+      <p:grpSpPr>
+        <a:xfrm>
+          <a:off x="0" y="0"/>
+          <a:ext cx="0" cy="0"/>
+          <a:chOff x="0" y="0"/>
+          <a:chExt cx="0" cy="0"/>
+        </a:xfrm>
+      </p:grpSpPr>
+      <p:sp>
+        <p:nvSpPr>
+          <p:cNvPr id="2" name="标题 1"/>
+          <p:cNvSpPr>
+            <a:spLocks noGrp="1"/>
+          </p:cNvSpPr>
+          <p:nvPr>
+            <p:ph type="ctrTitle"/>
+          </p:nvPr>
+        </p:nvSpPr>
+        <p:spPr>
+          <a:xfrm>
+            <a:off x="373626" y="309716"/>
+            <a:ext cx="7590503" cy="840658"/>
+          </a:xfrm>
+        </p:spPr>
+        <p:txBody>
+          <a:bodyPr>
+            <a:normAutofit/>
+          </a:bodyPr>
+          <a:lstStyle/>
+          <a:p>
+            <a:pPr algn="l"/>
+            <a:r>
+              <a:rPr lang="zh-CN" altLang="en-US" sz="5400" dirty="0"/>
+              <a:t>创建</a:t>
+            </a:r>
+            <a:r>
+              <a:rPr lang="zh-CN" altLang="en-US" sz="5400" dirty="0" smtClean="0"/>
+              <a:t>版本库</a:t>
+            </a:r>
+            <a:r>
+              <a:rPr lang="en-US" altLang="zh-CN" sz="5400" dirty="0" smtClean="0"/>
+              <a:t>--</a:t>
+            </a:r>
+            <a:r>
+              <a:rPr lang="zh-CN" altLang="en-US" sz="5400" dirty="0" smtClean="0"/>
+              <a:t>添加文件</a:t>
+            </a:r>
+            <a:endParaRPr lang="zh-CN" altLang="en-US" sz="5400" dirty="0"/>
+          </a:p>
+        </p:txBody>
+      </p:sp>
+      <p:pic>
+        <p:nvPicPr>
+          <p:cNvPr id="6" name="图片 5"/>
+          <p:cNvPicPr>
+            <a:picLocks noChangeAspect="1"/>
+          </p:cNvPicPr>
+          <p:nvPr/>
+        </p:nvPicPr>
+        <p:blipFill>
+          <a:blip r:embed="rId2"/>
+          <a:stretch>
+            <a:fillRect/>
+          </a:stretch>
+        </p:blipFill>
+        <p:spPr>
+          <a:xfrm>
+            <a:off x="581127" y="1314245"/>
+            <a:ext cx="7175500" cy="2489200"/>
+          </a:xfrm>
+          <a:prstGeom prst="rect">
+            <a:avLst/>
+          </a:prstGeom>
+        </p:spPr>
+      </p:pic>
+      <p:pic>
+        <p:nvPicPr>
+          <p:cNvPr id="8" name="图片 7"/>
+          <p:cNvPicPr>
+            <a:picLocks noChangeAspect="1"/>
+          </p:cNvPicPr>
+          <p:nvPr/>
+        </p:nvPicPr>
+        <p:blipFill>
+          <a:blip r:embed="rId3"/>
+          <a:stretch>
+            <a:fillRect/>
+          </a:stretch>
+        </p:blipFill>
+        <p:spPr>
+          <a:xfrm>
+            <a:off x="581127" y="3967316"/>
+            <a:ext cx="4991100" cy="990600"/>
+          </a:xfrm>
+          <a:prstGeom prst="rect">
+            <a:avLst/>
+          </a:prstGeom>
+        </p:spPr>
+      </p:pic>
+      <p:sp>
+        <p:nvSpPr>
+          <p:cNvPr id="9" name="副标题 2"/>
+          <p:cNvSpPr>
+            <a:spLocks noGrp="1"/>
+          </p:cNvSpPr>
+          <p:nvPr>
+            <p:ph type="subTitle" idx="1"/>
+          </p:nvPr>
+        </p:nvSpPr>
+        <p:spPr>
+          <a:xfrm>
+            <a:off x="476865" y="5284018"/>
+            <a:ext cx="11336593" cy="1190523"/>
+          </a:xfrm>
+        </p:spPr>
+        <p:txBody>
+          <a:bodyPr>
+            <a:noAutofit/>
+          </a:bodyPr>
+          <a:lstStyle/>
+          <a:p>
+            <a:pPr algn="l">
+              <a:lnSpc>
+                <a:spcPct val="150000"/>
+              </a:lnSpc>
+            </a:pPr>
+            <a:r>
+              <a:rPr lang="zh-CN" altLang="en-US" sz="1600" dirty="0"/>
+              <a:t>简单解释一下</a:t>
+            </a:r>
+            <a:r>
+              <a:rPr lang="en-US" altLang="zh-CN" sz="1600" dirty="0" err="1" smtClean="0"/>
+              <a:t>git</a:t>
+            </a:r>
+            <a:r>
+              <a:rPr lang="en-US" altLang="zh-CN" sz="1600" dirty="0" smtClean="0"/>
+              <a:t> commit</a:t>
+            </a:r>
+            <a:r>
+              <a:rPr lang="zh-CN" altLang="en-US" sz="1600" dirty="0"/>
+              <a:t>命令，</a:t>
+            </a:r>
+            <a:r>
+              <a:rPr lang="en-US" altLang="zh-CN" sz="1600" dirty="0" smtClean="0"/>
+              <a:t>-m</a:t>
+            </a:r>
+            <a:r>
+              <a:rPr lang="zh-CN" altLang="en-US" sz="1600" dirty="0"/>
+              <a:t>后面输入的是本次提交的说明，可以输入任意内容，当然最好是有意义的，这样你就能从历史记录里方便地找到改动记录。</a:t>
+            </a:r>
+          </a:p>
+        </p:txBody>
+      </p:sp>
+    </p:spTree>
+    <p:extLst>
+      <p:ext uri="{BB962C8B-B14F-4D97-AF65-F5344CB8AC3E}">
+        <p14:creationId xmlns:p14="http://schemas.microsoft.com/office/powerpoint/2010/main" val="1415505363"/>
+      </p:ext>
+    </p:extLst>
+  </p:cSld>
+  <p:clrMapOvr>
+    <a:masterClrMapping/>
+  </p:clrMapOvr>
+</p:sld>
+</file>
+
 <file path=ppt/slides/slide2.xml><?xml version="1.0" encoding="utf-8"?>
 <p:sld xmlns:a="http://schemas.openxmlformats.org/drawingml/2006/main" xmlns:r="http://schemas.openxmlformats.org/officeDocument/2006/relationships" xmlns:p="http://schemas.openxmlformats.org/presentationml/2006/main">
   <p:cSld>

--- a/doc/ppt/git.pptx
+++ b/doc/ppt/git.pptx
@@ -22,6 +22,10 @@
     <p:sldId id="270" r:id="rId16"/>
     <p:sldId id="271" r:id="rId17"/>
     <p:sldId id="272" r:id="rId18"/>
+    <p:sldId id="273" r:id="rId19"/>
+    <p:sldId id="274" r:id="rId20"/>
+    <p:sldId id="275" r:id="rId21"/>
+    <p:sldId id="276" r:id="rId22"/>
   </p:sldIdLst>
   <p:sldSz cx="12192000" cy="6858000"/>
   <p:notesSz cx="6858000" cy="9144000"/>
@@ -5012,6 +5016,588 @@
 </p:sld>
 </file>
 
+<file path=ppt/slides/slide18.xml><?xml version="1.0" encoding="utf-8"?>
+<p:sld xmlns:a="http://schemas.openxmlformats.org/drawingml/2006/main" xmlns:r="http://schemas.openxmlformats.org/officeDocument/2006/relationships" xmlns:p="http://schemas.openxmlformats.org/presentationml/2006/main">
+  <p:cSld>
+    <p:spTree>
+      <p:nvGrpSpPr>
+        <p:cNvPr id="1" name=""/>
+        <p:cNvGrpSpPr/>
+        <p:nvPr/>
+      </p:nvGrpSpPr>
+      <p:grpSpPr>
+        <a:xfrm>
+          <a:off x="0" y="0"/>
+          <a:ext cx="0" cy="0"/>
+          <a:chOff x="0" y="0"/>
+          <a:chExt cx="0" cy="0"/>
+        </a:xfrm>
+      </p:grpSpPr>
+      <p:sp>
+        <p:nvSpPr>
+          <p:cNvPr id="2" name="标题 1"/>
+          <p:cNvSpPr>
+            <a:spLocks noGrp="1"/>
+          </p:cNvSpPr>
+          <p:nvPr>
+            <p:ph type="ctrTitle"/>
+          </p:nvPr>
+        </p:nvSpPr>
+        <p:spPr>
+          <a:xfrm>
+            <a:off x="373626" y="309716"/>
+            <a:ext cx="7590503" cy="840658"/>
+          </a:xfrm>
+        </p:spPr>
+        <p:txBody>
+          <a:bodyPr>
+            <a:normAutofit/>
+          </a:bodyPr>
+          <a:lstStyle/>
+          <a:p>
+            <a:pPr algn="l"/>
+            <a:r>
+              <a:rPr lang="zh-CN" altLang="en-US" sz="5400" dirty="0"/>
+              <a:t>时光机穿梭</a:t>
+            </a:r>
+          </a:p>
+        </p:txBody>
+      </p:sp>
+      <p:sp>
+        <p:nvSpPr>
+          <p:cNvPr id="9" name="副标题 2"/>
+          <p:cNvSpPr>
+            <a:spLocks noGrp="1"/>
+          </p:cNvSpPr>
+          <p:nvPr>
+            <p:ph type="subTitle" idx="1"/>
+          </p:nvPr>
+        </p:nvSpPr>
+        <p:spPr>
+          <a:xfrm>
+            <a:off x="373626" y="1150374"/>
+            <a:ext cx="11336593" cy="1342103"/>
+          </a:xfrm>
+        </p:spPr>
+        <p:txBody>
+          <a:bodyPr>
+            <a:noAutofit/>
+          </a:bodyPr>
+          <a:lstStyle/>
+          <a:p>
+            <a:pPr algn="l">
+              <a:lnSpc>
+                <a:spcPct val="150000"/>
+              </a:lnSpc>
+            </a:pPr>
+            <a:r>
+              <a:rPr lang="zh-CN" altLang="en-US" sz="1600" dirty="0"/>
+              <a:t>我们已经成功地添加并提交了一个</a:t>
+            </a:r>
+            <a:r>
+              <a:rPr lang="en-US" altLang="zh-CN" sz="1600" dirty="0" err="1"/>
+              <a:t>readme.txt</a:t>
+            </a:r>
+            <a:r>
+              <a:rPr lang="zh-CN" altLang="en-US" sz="1600" dirty="0"/>
+              <a:t>文件，现在，是时候继续工作了，于是，我们继续修改</a:t>
+            </a:r>
+            <a:r>
+              <a:rPr lang="en-US" altLang="zh-CN" sz="1600" dirty="0" err="1"/>
+              <a:t>readme.txt</a:t>
+            </a:r>
+            <a:r>
+              <a:rPr lang="zh-CN" altLang="en-US" sz="1600" dirty="0"/>
+              <a:t>文件，改成如下内容</a:t>
+            </a:r>
+            <a:r>
+              <a:rPr lang="zh-CN" altLang="en-US" sz="1600" dirty="0" smtClean="0"/>
+              <a:t>：</a:t>
+            </a:r>
+            <a:endParaRPr lang="en-US" altLang="zh-CN" sz="1600" dirty="0" smtClean="0"/>
+          </a:p>
+          <a:p>
+            <a:pPr algn="l">
+              <a:lnSpc>
+                <a:spcPct val="150000"/>
+              </a:lnSpc>
+            </a:pPr>
+            <a:r>
+              <a:rPr lang="en-US" altLang="zh-CN" sz="1600" dirty="0" err="1" smtClean="0"/>
+              <a:t>Git</a:t>
+            </a:r>
+            <a:r>
+              <a:rPr lang="en-US" altLang="zh-CN" sz="1600" dirty="0" smtClean="0"/>
+              <a:t> </a:t>
+            </a:r>
+            <a:r>
+              <a:rPr lang="en-US" altLang="zh-CN" sz="1600" b="1" dirty="0"/>
+              <a:t>is</a:t>
+            </a:r>
+            <a:r>
+              <a:rPr lang="en-US" altLang="zh-CN" sz="1600" dirty="0" smtClean="0"/>
+              <a:t> a distributed version control system. </a:t>
+            </a:r>
+            <a:r>
+              <a:rPr lang="en-US" altLang="zh-CN" sz="1600" dirty="0" err="1" smtClean="0"/>
+              <a:t>Git</a:t>
+            </a:r>
+            <a:r>
+              <a:rPr lang="en-US" altLang="zh-CN" sz="1600" dirty="0" smtClean="0"/>
+              <a:t> </a:t>
+            </a:r>
+            <a:r>
+              <a:rPr lang="en-US" altLang="zh-CN" sz="1600" b="1" dirty="0"/>
+              <a:t>is</a:t>
+            </a:r>
+            <a:r>
+              <a:rPr lang="en-US" altLang="zh-CN" sz="1600" dirty="0" smtClean="0"/>
+              <a:t> free software.</a:t>
+            </a:r>
+            <a:endParaRPr lang="zh-CN" altLang="en-US" sz="1600" dirty="0"/>
+          </a:p>
+        </p:txBody>
+      </p:sp>
+      <p:pic>
+        <p:nvPicPr>
+          <p:cNvPr id="3" name="图片 2"/>
+          <p:cNvPicPr>
+            <a:picLocks noChangeAspect="1"/>
+          </p:cNvPicPr>
+          <p:nvPr/>
+        </p:nvPicPr>
+        <p:blipFill>
+          <a:blip r:embed="rId2"/>
+          <a:stretch>
+            <a:fillRect/>
+          </a:stretch>
+        </p:blipFill>
+        <p:spPr>
+          <a:xfrm>
+            <a:off x="478094" y="2492477"/>
+            <a:ext cx="6781800" cy="2133600"/>
+          </a:xfrm>
+          <a:prstGeom prst="rect">
+            <a:avLst/>
+          </a:prstGeom>
+        </p:spPr>
+      </p:pic>
+      <p:sp>
+        <p:nvSpPr>
+          <p:cNvPr id="4" name="矩形 3"/>
+          <p:cNvSpPr/>
+          <p:nvPr/>
+        </p:nvSpPr>
+        <p:spPr>
+          <a:xfrm>
+            <a:off x="373625" y="4724399"/>
+            <a:ext cx="11336593" cy="1882567"/>
+          </a:xfrm>
+          <a:prstGeom prst="rect">
+            <a:avLst/>
+          </a:prstGeom>
+        </p:spPr>
+        <p:txBody>
+          <a:bodyPr wrap="square">
+            <a:spAutoFit/>
+          </a:bodyPr>
+          <a:lstStyle/>
+          <a:p>
+            <a:pPr>
+              <a:lnSpc>
+                <a:spcPct val="150000"/>
+              </a:lnSpc>
+              <a:spcBef>
+                <a:spcPts val="1000"/>
+              </a:spcBef>
+            </a:pPr>
+            <a:r>
+              <a:rPr lang="en-US" altLang="zh-CN" sz="1600" dirty="0" err="1"/>
+              <a:t>git</a:t>
+            </a:r>
+            <a:r>
+              <a:rPr lang="en-US" altLang="zh-CN" sz="1600" dirty="0"/>
+              <a:t> status</a:t>
+            </a:r>
+            <a:r>
+              <a:rPr lang="zh-CN" altLang="en-US" sz="1600" dirty="0"/>
+              <a:t>命令可以让我们时刻掌握仓库当前的状态，上面的命令告诉我们，</a:t>
+            </a:r>
+            <a:r>
+              <a:rPr lang="en-US" altLang="zh-CN" sz="1600" dirty="0" err="1"/>
+              <a:t>readme.txt</a:t>
+            </a:r>
+            <a:r>
+              <a:rPr lang="zh-CN" altLang="en-US" sz="1600" dirty="0"/>
+              <a:t>被修改过了，但还没有准备提交的修改。</a:t>
+            </a:r>
+          </a:p>
+          <a:p>
+            <a:pPr>
+              <a:lnSpc>
+                <a:spcPct val="150000"/>
+              </a:lnSpc>
+              <a:spcBef>
+                <a:spcPts val="1000"/>
+              </a:spcBef>
+            </a:pPr>
+            <a:r>
+              <a:rPr lang="zh-CN" altLang="en-US" sz="1600" dirty="0"/>
+              <a:t>虽然</a:t>
+            </a:r>
+            <a:r>
+              <a:rPr lang="en-US" altLang="zh-CN" sz="1600" dirty="0" err="1"/>
+              <a:t>Git</a:t>
+            </a:r>
+            <a:r>
+              <a:rPr lang="zh-CN" altLang="en-US" sz="1600" dirty="0"/>
+              <a:t>告诉我们</a:t>
+            </a:r>
+            <a:r>
+              <a:rPr lang="en-US" altLang="zh-CN" sz="1600" dirty="0" err="1"/>
+              <a:t>readme.txt</a:t>
+            </a:r>
+            <a:r>
+              <a:rPr lang="zh-CN" altLang="en-US" sz="1600" dirty="0"/>
+              <a:t>被修改了，但如果能看看具体修改了什么内容，自然是很好的。比如你休假两周从国外回来，第一天上班时，已经记不清上次怎么修改的</a:t>
+            </a:r>
+            <a:r>
+              <a:rPr lang="en-US" altLang="zh-CN" sz="1600" dirty="0" err="1"/>
+              <a:t>readme.txt</a:t>
+            </a:r>
+            <a:r>
+              <a:rPr lang="zh-CN" altLang="en-US" sz="1600" dirty="0"/>
+              <a:t>，所以，需要用</a:t>
+            </a:r>
+            <a:r>
+              <a:rPr lang="en-US" altLang="zh-CN" sz="1600" dirty="0" err="1"/>
+              <a:t>git</a:t>
+            </a:r>
+            <a:r>
+              <a:rPr lang="en-US" altLang="zh-CN" sz="1600" dirty="0"/>
+              <a:t> diff</a:t>
+            </a:r>
+            <a:r>
+              <a:rPr lang="zh-CN" altLang="en-US" sz="1600" dirty="0"/>
+              <a:t>这个命令看看：</a:t>
+            </a:r>
+          </a:p>
+          <a:p>
+            <a:r>
+              <a:rPr lang="zh-CN" altLang="en-US" dirty="0" smtClean="0"/>
+              <a:t/>
+            </a:r>
+            <a:br>
+              <a:rPr lang="zh-CN" altLang="en-US" dirty="0" smtClean="0"/>
+            </a:br>
+            <a:endParaRPr lang="zh-CN" altLang="en-US" dirty="0"/>
+          </a:p>
+        </p:txBody>
+      </p:sp>
+    </p:spTree>
+    <p:extLst>
+      <p:ext uri="{BB962C8B-B14F-4D97-AF65-F5344CB8AC3E}">
+        <p14:creationId xmlns:p14="http://schemas.microsoft.com/office/powerpoint/2010/main" val="1144278050"/>
+      </p:ext>
+    </p:extLst>
+  </p:cSld>
+  <p:clrMapOvr>
+    <a:masterClrMapping/>
+  </p:clrMapOvr>
+</p:sld>
+</file>
+
+<file path=ppt/slides/slide19.xml><?xml version="1.0" encoding="utf-8"?>
+<p:sld xmlns:a="http://schemas.openxmlformats.org/drawingml/2006/main" xmlns:r="http://schemas.openxmlformats.org/officeDocument/2006/relationships" xmlns:p="http://schemas.openxmlformats.org/presentationml/2006/main">
+  <p:cSld>
+    <p:spTree>
+      <p:nvGrpSpPr>
+        <p:cNvPr id="1" name=""/>
+        <p:cNvGrpSpPr/>
+        <p:nvPr/>
+      </p:nvGrpSpPr>
+      <p:grpSpPr>
+        <a:xfrm>
+          <a:off x="0" y="0"/>
+          <a:ext cx="0" cy="0"/>
+          <a:chOff x="0" y="0"/>
+          <a:chExt cx="0" cy="0"/>
+        </a:xfrm>
+      </p:grpSpPr>
+      <p:sp>
+        <p:nvSpPr>
+          <p:cNvPr id="2" name="标题 1"/>
+          <p:cNvSpPr>
+            <a:spLocks noGrp="1"/>
+          </p:cNvSpPr>
+          <p:nvPr>
+            <p:ph type="ctrTitle"/>
+          </p:nvPr>
+        </p:nvSpPr>
+        <p:spPr>
+          <a:xfrm>
+            <a:off x="373626" y="309716"/>
+            <a:ext cx="7590503" cy="840658"/>
+          </a:xfrm>
+        </p:spPr>
+        <p:txBody>
+          <a:bodyPr>
+            <a:normAutofit/>
+          </a:bodyPr>
+          <a:lstStyle/>
+          <a:p>
+            <a:pPr algn="l"/>
+            <a:r>
+              <a:rPr lang="zh-CN" altLang="en-US" sz="5400" dirty="0"/>
+              <a:t>时光机穿梭</a:t>
+            </a:r>
+          </a:p>
+        </p:txBody>
+      </p:sp>
+      <p:sp>
+        <p:nvSpPr>
+          <p:cNvPr id="9" name="副标题 2"/>
+          <p:cNvSpPr>
+            <a:spLocks noGrp="1"/>
+          </p:cNvSpPr>
+          <p:nvPr>
+            <p:ph type="subTitle" idx="1"/>
+          </p:nvPr>
+        </p:nvSpPr>
+        <p:spPr>
+          <a:xfrm>
+            <a:off x="373626" y="1150374"/>
+            <a:ext cx="11336593" cy="1342103"/>
+          </a:xfrm>
+        </p:spPr>
+        <p:txBody>
+          <a:bodyPr>
+            <a:noAutofit/>
+          </a:bodyPr>
+          <a:lstStyle/>
+          <a:p>
+            <a:pPr algn="l">
+              <a:lnSpc>
+                <a:spcPct val="150000"/>
+              </a:lnSpc>
+            </a:pPr>
+            <a:r>
+              <a:rPr lang="zh-CN" altLang="en-US" sz="1600" dirty="0"/>
+              <a:t>我们已经成功地添加并提交了一个</a:t>
+            </a:r>
+            <a:r>
+              <a:rPr lang="en-US" altLang="zh-CN" sz="1600" dirty="0" err="1"/>
+              <a:t>readme.txt</a:t>
+            </a:r>
+            <a:r>
+              <a:rPr lang="zh-CN" altLang="en-US" sz="1600" dirty="0"/>
+              <a:t>文件，现在，是时候继续工作了，于是，我们继续修改</a:t>
+            </a:r>
+            <a:r>
+              <a:rPr lang="en-US" altLang="zh-CN" sz="1600" dirty="0" err="1"/>
+              <a:t>readme.txt</a:t>
+            </a:r>
+            <a:r>
+              <a:rPr lang="zh-CN" altLang="en-US" sz="1600" dirty="0"/>
+              <a:t>文件，改成如下内容</a:t>
+            </a:r>
+            <a:r>
+              <a:rPr lang="zh-CN" altLang="en-US" sz="1600" dirty="0" smtClean="0"/>
+              <a:t>：</a:t>
+            </a:r>
+            <a:endParaRPr lang="en-US" altLang="zh-CN" sz="1600" dirty="0" smtClean="0"/>
+          </a:p>
+          <a:p>
+            <a:pPr algn="l">
+              <a:lnSpc>
+                <a:spcPct val="150000"/>
+              </a:lnSpc>
+            </a:pPr>
+            <a:r>
+              <a:rPr lang="en-US" altLang="zh-CN" sz="1600" dirty="0" err="1" smtClean="0"/>
+              <a:t>Git</a:t>
+            </a:r>
+            <a:r>
+              <a:rPr lang="en-US" altLang="zh-CN" sz="1600" dirty="0" smtClean="0"/>
+              <a:t> </a:t>
+            </a:r>
+            <a:r>
+              <a:rPr lang="en-US" altLang="zh-CN" sz="1600" b="1" dirty="0"/>
+              <a:t>is</a:t>
+            </a:r>
+            <a:r>
+              <a:rPr lang="en-US" altLang="zh-CN" sz="1600" dirty="0" smtClean="0"/>
+              <a:t> a distributed version control system. </a:t>
+            </a:r>
+            <a:r>
+              <a:rPr lang="en-US" altLang="zh-CN" sz="1600" dirty="0" err="1" smtClean="0"/>
+              <a:t>Git</a:t>
+            </a:r>
+            <a:r>
+              <a:rPr lang="en-US" altLang="zh-CN" sz="1600" dirty="0" smtClean="0"/>
+              <a:t> </a:t>
+            </a:r>
+            <a:r>
+              <a:rPr lang="en-US" altLang="zh-CN" sz="1600" b="1" dirty="0"/>
+              <a:t>is</a:t>
+            </a:r>
+            <a:r>
+              <a:rPr lang="en-US" altLang="zh-CN" sz="1600" dirty="0" smtClean="0"/>
+              <a:t> free software.</a:t>
+            </a:r>
+            <a:endParaRPr lang="zh-CN" altLang="en-US" sz="1600" dirty="0"/>
+          </a:p>
+        </p:txBody>
+      </p:sp>
+      <p:pic>
+        <p:nvPicPr>
+          <p:cNvPr id="3" name="图片 2"/>
+          <p:cNvPicPr>
+            <a:picLocks noChangeAspect="1"/>
+          </p:cNvPicPr>
+          <p:nvPr/>
+        </p:nvPicPr>
+        <p:blipFill>
+          <a:blip r:embed="rId2"/>
+          <a:stretch>
+            <a:fillRect/>
+          </a:stretch>
+        </p:blipFill>
+        <p:spPr>
+          <a:xfrm>
+            <a:off x="478094" y="2492477"/>
+            <a:ext cx="6781800" cy="2133600"/>
+          </a:xfrm>
+          <a:prstGeom prst="rect">
+            <a:avLst/>
+          </a:prstGeom>
+        </p:spPr>
+      </p:pic>
+      <p:sp>
+        <p:nvSpPr>
+          <p:cNvPr id="4" name="矩形 3"/>
+          <p:cNvSpPr/>
+          <p:nvPr/>
+        </p:nvSpPr>
+        <p:spPr>
+          <a:xfrm>
+            <a:off x="373625" y="4724399"/>
+            <a:ext cx="11336593" cy="1882567"/>
+          </a:xfrm>
+          <a:prstGeom prst="rect">
+            <a:avLst/>
+          </a:prstGeom>
+        </p:spPr>
+        <p:txBody>
+          <a:bodyPr wrap="square">
+            <a:spAutoFit/>
+          </a:bodyPr>
+          <a:lstStyle/>
+          <a:p>
+            <a:pPr>
+              <a:lnSpc>
+                <a:spcPct val="150000"/>
+              </a:lnSpc>
+              <a:spcBef>
+                <a:spcPts val="1000"/>
+              </a:spcBef>
+            </a:pPr>
+            <a:r>
+              <a:rPr lang="en-US" altLang="zh-CN" sz="1600" dirty="0" err="1"/>
+              <a:t>git</a:t>
+            </a:r>
+            <a:r>
+              <a:rPr lang="en-US" altLang="zh-CN" sz="1600" dirty="0"/>
+              <a:t> status</a:t>
+            </a:r>
+            <a:r>
+              <a:rPr lang="zh-CN" altLang="en-US" sz="1600" dirty="0"/>
+              <a:t>命令可以让我们时刻掌握仓库当前的状态，上面的命令告诉我们，</a:t>
+            </a:r>
+            <a:r>
+              <a:rPr lang="en-US" altLang="zh-CN" sz="1600" dirty="0" err="1"/>
+              <a:t>readme.txt</a:t>
+            </a:r>
+            <a:r>
+              <a:rPr lang="zh-CN" altLang="en-US" sz="1600" dirty="0"/>
+              <a:t>被修改过了，但还没有准备提交的修改。</a:t>
+            </a:r>
+          </a:p>
+          <a:p>
+            <a:pPr>
+              <a:lnSpc>
+                <a:spcPct val="150000"/>
+              </a:lnSpc>
+              <a:spcBef>
+                <a:spcPts val="1000"/>
+              </a:spcBef>
+            </a:pPr>
+            <a:r>
+              <a:rPr lang="zh-CN" altLang="en-US" sz="1600" dirty="0"/>
+              <a:t>虽然</a:t>
+            </a:r>
+            <a:r>
+              <a:rPr lang="en-US" altLang="zh-CN" sz="1600" dirty="0" err="1"/>
+              <a:t>Git</a:t>
+            </a:r>
+            <a:r>
+              <a:rPr lang="zh-CN" altLang="en-US" sz="1600" dirty="0"/>
+              <a:t>告诉我们</a:t>
+            </a:r>
+            <a:r>
+              <a:rPr lang="en-US" altLang="zh-CN" sz="1600" dirty="0" err="1"/>
+              <a:t>readme.txt</a:t>
+            </a:r>
+            <a:r>
+              <a:rPr lang="zh-CN" altLang="en-US" sz="1600" dirty="0"/>
+              <a:t>被修改了，但如果能看看具体修改了什么内容，自然是很好的。比如你休假两周从国外回来，第一天上班时，已经记不清上次怎么修改的</a:t>
+            </a:r>
+            <a:r>
+              <a:rPr lang="en-US" altLang="zh-CN" sz="1600" dirty="0" err="1"/>
+              <a:t>readme.txt</a:t>
+            </a:r>
+            <a:r>
+              <a:rPr lang="zh-CN" altLang="en-US" sz="1600" dirty="0"/>
+              <a:t>，所以，需要用</a:t>
+            </a:r>
+            <a:r>
+              <a:rPr lang="en-US" altLang="zh-CN" sz="1600" dirty="0" err="1"/>
+              <a:t>git</a:t>
+            </a:r>
+            <a:r>
+              <a:rPr lang="en-US" altLang="zh-CN" sz="1600" dirty="0"/>
+              <a:t> diff</a:t>
+            </a:r>
+            <a:r>
+              <a:rPr lang="zh-CN" altLang="en-US" sz="1600" dirty="0"/>
+              <a:t>这个命令看看：</a:t>
+            </a:r>
+          </a:p>
+          <a:p>
+            <a:r>
+              <a:rPr lang="zh-CN" altLang="en-US" dirty="0" smtClean="0"/>
+              <a:t/>
+            </a:r>
+            <a:br>
+              <a:rPr lang="zh-CN" altLang="en-US" dirty="0" smtClean="0"/>
+            </a:br>
+            <a:endParaRPr lang="zh-CN" altLang="en-US" dirty="0"/>
+          </a:p>
+        </p:txBody>
+      </p:sp>
+    </p:spTree>
+    <p:extLst>
+      <p:ext uri="{BB962C8B-B14F-4D97-AF65-F5344CB8AC3E}">
+        <p14:creationId xmlns:p14="http://schemas.microsoft.com/office/powerpoint/2010/main" val="1328104339"/>
+      </p:ext>
+    </p:extLst>
+  </p:cSld>
+  <p:clrMapOvr>
+    <a:masterClrMapping/>
+  </p:clrMapOvr>
+</p:sld>
+</file>
+
 <file path=ppt/slides/slide2.xml><?xml version="1.0" encoding="utf-8"?>
 <p:sld xmlns:a="http://schemas.openxmlformats.org/drawingml/2006/main" xmlns:r="http://schemas.openxmlformats.org/officeDocument/2006/relationships" xmlns:p="http://schemas.openxmlformats.org/presentationml/2006/main">
   <p:cSld>
@@ -5164,6 +5750,809 @@
     <p:extLst>
       <p:ext uri="{BB962C8B-B14F-4D97-AF65-F5344CB8AC3E}">
         <p14:creationId xmlns:p14="http://schemas.microsoft.com/office/powerpoint/2010/main" val="1973594324"/>
+      </p:ext>
+    </p:extLst>
+  </p:cSld>
+  <p:clrMapOvr>
+    <a:masterClrMapping/>
+  </p:clrMapOvr>
+</p:sld>
+</file>
+
+<file path=ppt/slides/slide20.xml><?xml version="1.0" encoding="utf-8"?>
+<p:sld xmlns:a="http://schemas.openxmlformats.org/drawingml/2006/main" xmlns:r="http://schemas.openxmlformats.org/officeDocument/2006/relationships" xmlns:p="http://schemas.openxmlformats.org/presentationml/2006/main">
+  <p:cSld>
+    <p:spTree>
+      <p:nvGrpSpPr>
+        <p:cNvPr id="1" name=""/>
+        <p:cNvGrpSpPr/>
+        <p:nvPr/>
+      </p:nvGrpSpPr>
+      <p:grpSpPr>
+        <a:xfrm>
+          <a:off x="0" y="0"/>
+          <a:ext cx="0" cy="0"/>
+          <a:chOff x="0" y="0"/>
+          <a:chExt cx="0" cy="0"/>
+        </a:xfrm>
+      </p:grpSpPr>
+      <p:sp>
+        <p:nvSpPr>
+          <p:cNvPr id="2" name="标题 1"/>
+          <p:cNvSpPr>
+            <a:spLocks noGrp="1"/>
+          </p:cNvSpPr>
+          <p:nvPr>
+            <p:ph type="ctrTitle"/>
+          </p:nvPr>
+        </p:nvSpPr>
+        <p:spPr>
+          <a:xfrm>
+            <a:off x="373626" y="309716"/>
+            <a:ext cx="7590503" cy="840658"/>
+          </a:xfrm>
+        </p:spPr>
+        <p:txBody>
+          <a:bodyPr>
+            <a:normAutofit/>
+          </a:bodyPr>
+          <a:lstStyle/>
+          <a:p>
+            <a:pPr algn="l"/>
+            <a:r>
+              <a:rPr lang="zh-CN" altLang="en-US" sz="5400" dirty="0"/>
+              <a:t>时光机穿梭</a:t>
+            </a:r>
+          </a:p>
+        </p:txBody>
+      </p:sp>
+      <p:sp>
+        <p:nvSpPr>
+          <p:cNvPr id="9" name="副标题 2"/>
+          <p:cNvSpPr>
+            <a:spLocks noGrp="1"/>
+          </p:cNvSpPr>
+          <p:nvPr>
+            <p:ph type="subTitle" idx="1"/>
+          </p:nvPr>
+        </p:nvSpPr>
+        <p:spPr>
+          <a:xfrm>
+            <a:off x="417873" y="3224981"/>
+            <a:ext cx="11336593" cy="889820"/>
+          </a:xfrm>
+        </p:spPr>
+        <p:txBody>
+          <a:bodyPr>
+            <a:noAutofit/>
+          </a:bodyPr>
+          <a:lstStyle/>
+          <a:p>
+            <a:pPr algn="l"/>
+            <a:r>
+              <a:rPr lang="en-US" altLang="zh-CN" sz="1600" dirty="0" err="1"/>
+              <a:t>git</a:t>
+            </a:r>
+            <a:r>
+              <a:rPr lang="en-US" altLang="zh-CN" sz="1600" dirty="0"/>
+              <a:t> diff</a:t>
+            </a:r>
+            <a:r>
+              <a:rPr lang="zh-CN" altLang="en-US" sz="1600" dirty="0"/>
+              <a:t>顾名思义就是查看</a:t>
+            </a:r>
+            <a:r>
+              <a:rPr lang="en-US" altLang="zh-CN" sz="1600" dirty="0"/>
+              <a:t>difference</a:t>
+            </a:r>
+            <a:r>
+              <a:rPr lang="zh-CN" altLang="en-US" sz="1600" dirty="0"/>
+              <a:t>，显示的格式正是</a:t>
+            </a:r>
+            <a:r>
+              <a:rPr lang="en-US" altLang="zh-CN" sz="1600" dirty="0"/>
+              <a:t>Unix</a:t>
+            </a:r>
+            <a:r>
+              <a:rPr lang="zh-CN" altLang="en-US" sz="1600" dirty="0"/>
+              <a:t>通用的</a:t>
+            </a:r>
+            <a:r>
+              <a:rPr lang="en-US" altLang="zh-CN" sz="1600" dirty="0"/>
+              <a:t>diff</a:t>
+            </a:r>
+            <a:r>
+              <a:rPr lang="zh-CN" altLang="en-US" sz="1600" dirty="0"/>
+              <a:t>格式，可以从上面的命令输出看到，我们在第一行添加了一个“</a:t>
+            </a:r>
+            <a:r>
+              <a:rPr lang="en-US" altLang="zh-CN" sz="1600" dirty="0"/>
+              <a:t>distributed”</a:t>
+            </a:r>
+            <a:r>
+              <a:rPr lang="zh-CN" altLang="en-US" sz="1600" dirty="0"/>
+              <a:t>单词。</a:t>
+            </a:r>
+          </a:p>
+          <a:p>
+            <a:pPr algn="l"/>
+            <a:r>
+              <a:rPr lang="zh-CN" altLang="en-US" sz="1600" dirty="0"/>
+              <a:t>知道了对</a:t>
+            </a:r>
+            <a:r>
+              <a:rPr lang="en-US" altLang="zh-CN" sz="1600" dirty="0" err="1"/>
+              <a:t>readme.txt</a:t>
+            </a:r>
+            <a:r>
+              <a:rPr lang="zh-CN" altLang="en-US" sz="1600" dirty="0"/>
+              <a:t>作了什么修改后，再把它提交到仓库就放心多了，提交修改和提交新文件是一样的两步，第一步是</a:t>
+            </a:r>
+            <a:r>
+              <a:rPr lang="en-US" altLang="zh-CN" sz="1600" dirty="0" err="1"/>
+              <a:t>git</a:t>
+            </a:r>
+            <a:r>
+              <a:rPr lang="en-US" altLang="zh-CN" sz="1600" dirty="0"/>
+              <a:t> add</a:t>
+            </a:r>
+            <a:r>
+              <a:rPr lang="zh-CN" altLang="en-US" sz="1600" dirty="0"/>
+              <a:t>：</a:t>
+            </a:r>
+          </a:p>
+        </p:txBody>
+      </p:sp>
+      <p:pic>
+        <p:nvPicPr>
+          <p:cNvPr id="5" name="图片 4"/>
+          <p:cNvPicPr>
+            <a:picLocks noChangeAspect="1"/>
+          </p:cNvPicPr>
+          <p:nvPr/>
+        </p:nvPicPr>
+        <p:blipFill>
+          <a:blip r:embed="rId2"/>
+          <a:stretch>
+            <a:fillRect/>
+          </a:stretch>
+        </p:blipFill>
+        <p:spPr>
+          <a:xfrm>
+            <a:off x="506361" y="1150374"/>
+            <a:ext cx="6400800" cy="1905000"/>
+          </a:xfrm>
+          <a:prstGeom prst="rect">
+            <a:avLst/>
+          </a:prstGeom>
+        </p:spPr>
+      </p:pic>
+      <p:pic>
+        <p:nvPicPr>
+          <p:cNvPr id="7" name="图片 6"/>
+          <p:cNvPicPr>
+            <a:picLocks noChangeAspect="1"/>
+          </p:cNvPicPr>
+          <p:nvPr/>
+        </p:nvPicPr>
+        <p:blipFill>
+          <a:blip r:embed="rId3"/>
+          <a:stretch>
+            <a:fillRect/>
+          </a:stretch>
+        </p:blipFill>
+        <p:spPr>
+          <a:xfrm>
+            <a:off x="506361" y="4218653"/>
+            <a:ext cx="4762500" cy="190500"/>
+          </a:xfrm>
+          <a:prstGeom prst="rect">
+            <a:avLst/>
+          </a:prstGeom>
+        </p:spPr>
+      </p:pic>
+      <p:sp>
+        <p:nvSpPr>
+          <p:cNvPr id="10" name="副标题 2"/>
+          <p:cNvSpPr txBox="1">
+            <a:spLocks/>
+          </p:cNvSpPr>
+          <p:nvPr/>
+        </p:nvSpPr>
+        <p:spPr>
+          <a:xfrm>
+            <a:off x="417873" y="4513005"/>
+            <a:ext cx="11336593" cy="294969"/>
+          </a:xfrm>
+          <a:prstGeom prst="rect">
+            <a:avLst/>
+          </a:prstGeom>
+        </p:spPr>
+        <p:txBody>
+          <a:bodyPr vert="horz" lIns="91440" tIns="45720" rIns="91440" bIns="45720" rtlCol="0">
+            <a:noAutofit/>
+          </a:bodyPr>
+          <a:lstStyle>
+            <a:lvl1pPr marL="0" indent="0" algn="ctr" defTabSz="914400" rtl="0" eaLnBrk="1" latinLnBrk="0" hangingPunct="1">
+              <a:lnSpc>
+                <a:spcPct val="90000"/>
+              </a:lnSpc>
+              <a:spcBef>
+                <a:spcPts val="1000"/>
+              </a:spcBef>
+              <a:buFont typeface="Arial"/>
+              <a:buNone/>
+              <a:defRPr sz="2400" kern="1200">
+                <a:solidFill>
+                  <a:schemeClr val="tx1"/>
+                </a:solidFill>
+                <a:latin typeface="+mn-lt"/>
+                <a:ea typeface="+mn-ea"/>
+                <a:cs typeface="+mn-cs"/>
+              </a:defRPr>
+            </a:lvl1pPr>
+            <a:lvl2pPr marL="457200" indent="0" algn="ctr" defTabSz="914400" rtl="0" eaLnBrk="1" latinLnBrk="0" hangingPunct="1">
+              <a:lnSpc>
+                <a:spcPct val="90000"/>
+              </a:lnSpc>
+              <a:spcBef>
+                <a:spcPts val="500"/>
+              </a:spcBef>
+              <a:buFont typeface="Arial"/>
+              <a:buNone/>
+              <a:defRPr sz="2000" kern="1200">
+                <a:solidFill>
+                  <a:schemeClr val="tx1"/>
+                </a:solidFill>
+                <a:latin typeface="+mn-lt"/>
+                <a:ea typeface="+mn-ea"/>
+                <a:cs typeface="+mn-cs"/>
+              </a:defRPr>
+            </a:lvl2pPr>
+            <a:lvl3pPr marL="914400" indent="0" algn="ctr" defTabSz="914400" rtl="0" eaLnBrk="1" latinLnBrk="0" hangingPunct="1">
+              <a:lnSpc>
+                <a:spcPct val="90000"/>
+              </a:lnSpc>
+              <a:spcBef>
+                <a:spcPts val="500"/>
+              </a:spcBef>
+              <a:buFont typeface="Arial"/>
+              <a:buNone/>
+              <a:defRPr sz="1800" kern="1200">
+                <a:solidFill>
+                  <a:schemeClr val="tx1"/>
+                </a:solidFill>
+                <a:latin typeface="+mn-lt"/>
+                <a:ea typeface="+mn-ea"/>
+                <a:cs typeface="+mn-cs"/>
+              </a:defRPr>
+            </a:lvl3pPr>
+            <a:lvl4pPr marL="1371600" indent="0" algn="ctr" defTabSz="914400" rtl="0" eaLnBrk="1" latinLnBrk="0" hangingPunct="1">
+              <a:lnSpc>
+                <a:spcPct val="90000"/>
+              </a:lnSpc>
+              <a:spcBef>
+                <a:spcPts val="500"/>
+              </a:spcBef>
+              <a:buFont typeface="Arial"/>
+              <a:buNone/>
+              <a:defRPr sz="1600" kern="1200">
+                <a:solidFill>
+                  <a:schemeClr val="tx1"/>
+                </a:solidFill>
+                <a:latin typeface="+mn-lt"/>
+                <a:ea typeface="+mn-ea"/>
+                <a:cs typeface="+mn-cs"/>
+              </a:defRPr>
+            </a:lvl4pPr>
+            <a:lvl5pPr marL="1828800" indent="0" algn="ctr" defTabSz="914400" rtl="0" eaLnBrk="1" latinLnBrk="0" hangingPunct="1">
+              <a:lnSpc>
+                <a:spcPct val="90000"/>
+              </a:lnSpc>
+              <a:spcBef>
+                <a:spcPts val="500"/>
+              </a:spcBef>
+              <a:buFont typeface="Arial"/>
+              <a:buNone/>
+              <a:defRPr sz="1600" kern="1200">
+                <a:solidFill>
+                  <a:schemeClr val="tx1"/>
+                </a:solidFill>
+                <a:latin typeface="+mn-lt"/>
+                <a:ea typeface="+mn-ea"/>
+                <a:cs typeface="+mn-cs"/>
+              </a:defRPr>
+            </a:lvl5pPr>
+            <a:lvl6pPr marL="2286000" indent="0" algn="ctr" defTabSz="914400" rtl="0" eaLnBrk="1" latinLnBrk="0" hangingPunct="1">
+              <a:lnSpc>
+                <a:spcPct val="90000"/>
+              </a:lnSpc>
+              <a:spcBef>
+                <a:spcPts val="500"/>
+              </a:spcBef>
+              <a:buFont typeface="Arial"/>
+              <a:buNone/>
+              <a:defRPr sz="1600" kern="1200">
+                <a:solidFill>
+                  <a:schemeClr val="tx1"/>
+                </a:solidFill>
+                <a:latin typeface="+mn-lt"/>
+                <a:ea typeface="+mn-ea"/>
+                <a:cs typeface="+mn-cs"/>
+              </a:defRPr>
+            </a:lvl6pPr>
+            <a:lvl7pPr marL="2743200" indent="0" algn="ctr" defTabSz="914400" rtl="0" eaLnBrk="1" latinLnBrk="0" hangingPunct="1">
+              <a:lnSpc>
+                <a:spcPct val="90000"/>
+              </a:lnSpc>
+              <a:spcBef>
+                <a:spcPts val="500"/>
+              </a:spcBef>
+              <a:buFont typeface="Arial"/>
+              <a:buNone/>
+              <a:defRPr sz="1600" kern="1200">
+                <a:solidFill>
+                  <a:schemeClr val="tx1"/>
+                </a:solidFill>
+                <a:latin typeface="+mn-lt"/>
+                <a:ea typeface="+mn-ea"/>
+                <a:cs typeface="+mn-cs"/>
+              </a:defRPr>
+            </a:lvl7pPr>
+            <a:lvl8pPr marL="3200400" indent="0" algn="ctr" defTabSz="914400" rtl="0" eaLnBrk="1" latinLnBrk="0" hangingPunct="1">
+              <a:lnSpc>
+                <a:spcPct val="90000"/>
+              </a:lnSpc>
+              <a:spcBef>
+                <a:spcPts val="500"/>
+              </a:spcBef>
+              <a:buFont typeface="Arial"/>
+              <a:buNone/>
+              <a:defRPr sz="1600" kern="1200">
+                <a:solidFill>
+                  <a:schemeClr val="tx1"/>
+                </a:solidFill>
+                <a:latin typeface="+mn-lt"/>
+                <a:ea typeface="+mn-ea"/>
+                <a:cs typeface="+mn-cs"/>
+              </a:defRPr>
+            </a:lvl8pPr>
+            <a:lvl9pPr marL="3657600" indent="0" algn="ctr" defTabSz="914400" rtl="0" eaLnBrk="1" latinLnBrk="0" hangingPunct="1">
+              <a:lnSpc>
+                <a:spcPct val="90000"/>
+              </a:lnSpc>
+              <a:spcBef>
+                <a:spcPts val="500"/>
+              </a:spcBef>
+              <a:buFont typeface="Arial"/>
+              <a:buNone/>
+              <a:defRPr sz="1600" kern="1200">
+                <a:solidFill>
+                  <a:schemeClr val="tx1"/>
+                </a:solidFill>
+                <a:latin typeface="+mn-lt"/>
+                <a:ea typeface="+mn-ea"/>
+                <a:cs typeface="+mn-cs"/>
+              </a:defRPr>
+            </a:lvl9pPr>
+          </a:lstStyle>
+          <a:p>
+            <a:pPr algn="l"/>
+            <a:r>
+              <a:rPr lang="zh-CN" altLang="en-US" sz="1600" dirty="0"/>
+              <a:t>同样没有任何输出。在执行第二步</a:t>
+            </a:r>
+            <a:r>
+              <a:rPr lang="en-US" altLang="zh-CN" sz="1600" dirty="0" err="1" smtClean="0"/>
+              <a:t>git</a:t>
+            </a:r>
+            <a:r>
+              <a:rPr lang="en-US" altLang="zh-CN" sz="1600" dirty="0" smtClean="0"/>
+              <a:t> commit</a:t>
+            </a:r>
+            <a:r>
+              <a:rPr lang="zh-CN" altLang="en-US" sz="1600" dirty="0"/>
+              <a:t>之前，我们再运行</a:t>
+            </a:r>
+            <a:r>
+              <a:rPr lang="en-US" altLang="zh-CN" sz="1600" dirty="0" err="1" smtClean="0"/>
+              <a:t>git</a:t>
+            </a:r>
+            <a:r>
+              <a:rPr lang="en-US" altLang="zh-CN" sz="1600" dirty="0" smtClean="0"/>
+              <a:t> status</a:t>
+            </a:r>
+            <a:r>
+              <a:rPr lang="zh-CN" altLang="en-US" sz="1600" dirty="0"/>
+              <a:t>看看当前仓库的状态：</a:t>
+            </a:r>
+          </a:p>
+        </p:txBody>
+      </p:sp>
+      <p:pic>
+        <p:nvPicPr>
+          <p:cNvPr id="8" name="图片 7"/>
+          <p:cNvPicPr>
+            <a:picLocks noChangeAspect="1"/>
+          </p:cNvPicPr>
+          <p:nvPr/>
+        </p:nvPicPr>
+        <p:blipFill>
+          <a:blip r:embed="rId4"/>
+          <a:stretch>
+            <a:fillRect/>
+          </a:stretch>
+        </p:blipFill>
+        <p:spPr>
+          <a:xfrm>
+            <a:off x="506361" y="4929646"/>
+            <a:ext cx="4813300" cy="1447800"/>
+          </a:xfrm>
+          <a:prstGeom prst="rect">
+            <a:avLst/>
+          </a:prstGeom>
+        </p:spPr>
+      </p:pic>
+    </p:spTree>
+    <p:extLst>
+      <p:ext uri="{BB962C8B-B14F-4D97-AF65-F5344CB8AC3E}">
+        <p14:creationId xmlns:p14="http://schemas.microsoft.com/office/powerpoint/2010/main" val="1113502215"/>
+      </p:ext>
+    </p:extLst>
+  </p:cSld>
+  <p:clrMapOvr>
+    <a:masterClrMapping/>
+  </p:clrMapOvr>
+</p:sld>
+</file>
+
+<file path=ppt/slides/slide21.xml><?xml version="1.0" encoding="utf-8"?>
+<p:sld xmlns:a="http://schemas.openxmlformats.org/drawingml/2006/main" xmlns:r="http://schemas.openxmlformats.org/officeDocument/2006/relationships" xmlns:p="http://schemas.openxmlformats.org/presentationml/2006/main">
+  <p:cSld>
+    <p:spTree>
+      <p:nvGrpSpPr>
+        <p:cNvPr id="1" name=""/>
+        <p:cNvGrpSpPr/>
+        <p:nvPr/>
+      </p:nvGrpSpPr>
+      <p:grpSpPr>
+        <a:xfrm>
+          <a:off x="0" y="0"/>
+          <a:ext cx="0" cy="0"/>
+          <a:chOff x="0" y="0"/>
+          <a:chExt cx="0" cy="0"/>
+        </a:xfrm>
+      </p:grpSpPr>
+      <p:sp>
+        <p:nvSpPr>
+          <p:cNvPr id="2" name="标题 1"/>
+          <p:cNvSpPr>
+            <a:spLocks noGrp="1"/>
+          </p:cNvSpPr>
+          <p:nvPr>
+            <p:ph type="ctrTitle"/>
+          </p:nvPr>
+        </p:nvSpPr>
+        <p:spPr>
+          <a:xfrm>
+            <a:off x="373626" y="309716"/>
+            <a:ext cx="7590503" cy="840658"/>
+          </a:xfrm>
+        </p:spPr>
+        <p:txBody>
+          <a:bodyPr>
+            <a:normAutofit/>
+          </a:bodyPr>
+          <a:lstStyle/>
+          <a:p>
+            <a:pPr algn="l"/>
+            <a:r>
+              <a:rPr lang="zh-CN" altLang="en-US" sz="5400" dirty="0"/>
+              <a:t>时光机穿梭</a:t>
+            </a:r>
+          </a:p>
+        </p:txBody>
+      </p:sp>
+      <p:sp>
+        <p:nvSpPr>
+          <p:cNvPr id="9" name="副标题 2"/>
+          <p:cNvSpPr>
+            <a:spLocks noGrp="1"/>
+          </p:cNvSpPr>
+          <p:nvPr>
+            <p:ph type="subTitle" idx="1"/>
+          </p:nvPr>
+        </p:nvSpPr>
+        <p:spPr>
+          <a:xfrm>
+            <a:off x="427703" y="2056579"/>
+            <a:ext cx="11336593" cy="288416"/>
+          </a:xfrm>
+        </p:spPr>
+        <p:txBody>
+          <a:bodyPr>
+            <a:noAutofit/>
+          </a:bodyPr>
+          <a:lstStyle/>
+          <a:p>
+            <a:pPr algn="l"/>
+            <a:r>
+              <a:rPr lang="zh-CN" altLang="en-US" sz="1600" dirty="0"/>
+              <a:t>提交后，我们再用</a:t>
+            </a:r>
+            <a:r>
+              <a:rPr lang="en-US" altLang="zh-CN" sz="1600" dirty="0" err="1" smtClean="0"/>
+              <a:t>git</a:t>
+            </a:r>
+            <a:r>
+              <a:rPr lang="en-US" altLang="zh-CN" sz="1600" dirty="0" smtClean="0"/>
+              <a:t> status</a:t>
+            </a:r>
+            <a:r>
+              <a:rPr lang="zh-CN" altLang="en-US" sz="1600" dirty="0"/>
+              <a:t>命令看看仓库的当前状态：</a:t>
+            </a:r>
+          </a:p>
+        </p:txBody>
+      </p:sp>
+      <p:sp>
+        <p:nvSpPr>
+          <p:cNvPr id="10" name="副标题 2"/>
+          <p:cNvSpPr txBox="1">
+            <a:spLocks/>
+          </p:cNvSpPr>
+          <p:nvPr/>
+        </p:nvSpPr>
+        <p:spPr>
+          <a:xfrm>
+            <a:off x="373626" y="3251200"/>
+            <a:ext cx="11336593" cy="294969"/>
+          </a:xfrm>
+          <a:prstGeom prst="rect">
+            <a:avLst/>
+          </a:prstGeom>
+        </p:spPr>
+        <p:txBody>
+          <a:bodyPr vert="horz" lIns="91440" tIns="45720" rIns="91440" bIns="45720" rtlCol="0">
+            <a:noAutofit/>
+          </a:bodyPr>
+          <a:lstStyle>
+            <a:lvl1pPr marL="0" indent="0" algn="ctr" defTabSz="914400" rtl="0" eaLnBrk="1" latinLnBrk="0" hangingPunct="1">
+              <a:lnSpc>
+                <a:spcPct val="90000"/>
+              </a:lnSpc>
+              <a:spcBef>
+                <a:spcPts val="1000"/>
+              </a:spcBef>
+              <a:buFont typeface="Arial"/>
+              <a:buNone/>
+              <a:defRPr sz="2400" kern="1200">
+                <a:solidFill>
+                  <a:schemeClr val="tx1"/>
+                </a:solidFill>
+                <a:latin typeface="+mn-lt"/>
+                <a:ea typeface="+mn-ea"/>
+                <a:cs typeface="+mn-cs"/>
+              </a:defRPr>
+            </a:lvl1pPr>
+            <a:lvl2pPr marL="457200" indent="0" algn="ctr" defTabSz="914400" rtl="0" eaLnBrk="1" latinLnBrk="0" hangingPunct="1">
+              <a:lnSpc>
+                <a:spcPct val="90000"/>
+              </a:lnSpc>
+              <a:spcBef>
+                <a:spcPts val="500"/>
+              </a:spcBef>
+              <a:buFont typeface="Arial"/>
+              <a:buNone/>
+              <a:defRPr sz="2000" kern="1200">
+                <a:solidFill>
+                  <a:schemeClr val="tx1"/>
+                </a:solidFill>
+                <a:latin typeface="+mn-lt"/>
+                <a:ea typeface="+mn-ea"/>
+                <a:cs typeface="+mn-cs"/>
+              </a:defRPr>
+            </a:lvl2pPr>
+            <a:lvl3pPr marL="914400" indent="0" algn="ctr" defTabSz="914400" rtl="0" eaLnBrk="1" latinLnBrk="0" hangingPunct="1">
+              <a:lnSpc>
+                <a:spcPct val="90000"/>
+              </a:lnSpc>
+              <a:spcBef>
+                <a:spcPts val="500"/>
+              </a:spcBef>
+              <a:buFont typeface="Arial"/>
+              <a:buNone/>
+              <a:defRPr sz="1800" kern="1200">
+                <a:solidFill>
+                  <a:schemeClr val="tx1"/>
+                </a:solidFill>
+                <a:latin typeface="+mn-lt"/>
+                <a:ea typeface="+mn-ea"/>
+                <a:cs typeface="+mn-cs"/>
+              </a:defRPr>
+            </a:lvl3pPr>
+            <a:lvl4pPr marL="1371600" indent="0" algn="ctr" defTabSz="914400" rtl="0" eaLnBrk="1" latinLnBrk="0" hangingPunct="1">
+              <a:lnSpc>
+                <a:spcPct val="90000"/>
+              </a:lnSpc>
+              <a:spcBef>
+                <a:spcPts val="500"/>
+              </a:spcBef>
+              <a:buFont typeface="Arial"/>
+              <a:buNone/>
+              <a:defRPr sz="1600" kern="1200">
+                <a:solidFill>
+                  <a:schemeClr val="tx1"/>
+                </a:solidFill>
+                <a:latin typeface="+mn-lt"/>
+                <a:ea typeface="+mn-ea"/>
+                <a:cs typeface="+mn-cs"/>
+              </a:defRPr>
+            </a:lvl4pPr>
+            <a:lvl5pPr marL="1828800" indent="0" algn="ctr" defTabSz="914400" rtl="0" eaLnBrk="1" latinLnBrk="0" hangingPunct="1">
+              <a:lnSpc>
+                <a:spcPct val="90000"/>
+              </a:lnSpc>
+              <a:spcBef>
+                <a:spcPts val="500"/>
+              </a:spcBef>
+              <a:buFont typeface="Arial"/>
+              <a:buNone/>
+              <a:defRPr sz="1600" kern="1200">
+                <a:solidFill>
+                  <a:schemeClr val="tx1"/>
+                </a:solidFill>
+                <a:latin typeface="+mn-lt"/>
+                <a:ea typeface="+mn-ea"/>
+                <a:cs typeface="+mn-cs"/>
+              </a:defRPr>
+            </a:lvl5pPr>
+            <a:lvl6pPr marL="2286000" indent="0" algn="ctr" defTabSz="914400" rtl="0" eaLnBrk="1" latinLnBrk="0" hangingPunct="1">
+              <a:lnSpc>
+                <a:spcPct val="90000"/>
+              </a:lnSpc>
+              <a:spcBef>
+                <a:spcPts val="500"/>
+              </a:spcBef>
+              <a:buFont typeface="Arial"/>
+              <a:buNone/>
+              <a:defRPr sz="1600" kern="1200">
+                <a:solidFill>
+                  <a:schemeClr val="tx1"/>
+                </a:solidFill>
+                <a:latin typeface="+mn-lt"/>
+                <a:ea typeface="+mn-ea"/>
+                <a:cs typeface="+mn-cs"/>
+              </a:defRPr>
+            </a:lvl6pPr>
+            <a:lvl7pPr marL="2743200" indent="0" algn="ctr" defTabSz="914400" rtl="0" eaLnBrk="1" latinLnBrk="0" hangingPunct="1">
+              <a:lnSpc>
+                <a:spcPct val="90000"/>
+              </a:lnSpc>
+              <a:spcBef>
+                <a:spcPts val="500"/>
+              </a:spcBef>
+              <a:buFont typeface="Arial"/>
+              <a:buNone/>
+              <a:defRPr sz="1600" kern="1200">
+                <a:solidFill>
+                  <a:schemeClr val="tx1"/>
+                </a:solidFill>
+                <a:latin typeface="+mn-lt"/>
+                <a:ea typeface="+mn-ea"/>
+                <a:cs typeface="+mn-cs"/>
+              </a:defRPr>
+            </a:lvl7pPr>
+            <a:lvl8pPr marL="3200400" indent="0" algn="ctr" defTabSz="914400" rtl="0" eaLnBrk="1" latinLnBrk="0" hangingPunct="1">
+              <a:lnSpc>
+                <a:spcPct val="90000"/>
+              </a:lnSpc>
+              <a:spcBef>
+                <a:spcPts val="500"/>
+              </a:spcBef>
+              <a:buFont typeface="Arial"/>
+              <a:buNone/>
+              <a:defRPr sz="1600" kern="1200">
+                <a:solidFill>
+                  <a:schemeClr val="tx1"/>
+                </a:solidFill>
+                <a:latin typeface="+mn-lt"/>
+                <a:ea typeface="+mn-ea"/>
+                <a:cs typeface="+mn-cs"/>
+              </a:defRPr>
+            </a:lvl8pPr>
+            <a:lvl9pPr marL="3657600" indent="0" algn="ctr" defTabSz="914400" rtl="0" eaLnBrk="1" latinLnBrk="0" hangingPunct="1">
+              <a:lnSpc>
+                <a:spcPct val="90000"/>
+              </a:lnSpc>
+              <a:spcBef>
+                <a:spcPts val="500"/>
+              </a:spcBef>
+              <a:buFont typeface="Arial"/>
+              <a:buNone/>
+              <a:defRPr sz="1600" kern="1200">
+                <a:solidFill>
+                  <a:schemeClr val="tx1"/>
+                </a:solidFill>
+                <a:latin typeface="+mn-lt"/>
+                <a:ea typeface="+mn-ea"/>
+                <a:cs typeface="+mn-cs"/>
+              </a:defRPr>
+            </a:lvl9pPr>
+          </a:lstStyle>
+          <a:p>
+            <a:pPr algn="l"/>
+            <a:r>
+              <a:rPr lang="en-US" altLang="zh-CN" sz="1600" dirty="0" err="1"/>
+              <a:t>Git</a:t>
+            </a:r>
+            <a:r>
+              <a:rPr lang="zh-CN" altLang="en-US" sz="1600" dirty="0"/>
+              <a:t>告诉我们当前没有需要提交的修改，而且，工作目录是干净（</a:t>
+            </a:r>
+            <a:r>
+              <a:rPr lang="en-US" altLang="zh-CN" sz="1600" dirty="0"/>
+              <a:t>working directory clean</a:t>
+            </a:r>
+            <a:r>
+              <a:rPr lang="zh-CN" altLang="en-US" sz="1600" dirty="0"/>
+              <a:t>）的。</a:t>
+            </a:r>
+          </a:p>
+        </p:txBody>
+      </p:sp>
+      <p:pic>
+        <p:nvPicPr>
+          <p:cNvPr id="3" name="图片 2"/>
+          <p:cNvPicPr>
+            <a:picLocks noChangeAspect="1"/>
+          </p:cNvPicPr>
+          <p:nvPr/>
+        </p:nvPicPr>
+        <p:blipFill>
+          <a:blip r:embed="rId2"/>
+          <a:stretch>
+            <a:fillRect/>
+          </a:stretch>
+        </p:blipFill>
+        <p:spPr>
+          <a:xfrm>
+            <a:off x="506361" y="1205678"/>
+            <a:ext cx="5359400" cy="685800"/>
+          </a:xfrm>
+          <a:prstGeom prst="rect">
+            <a:avLst/>
+          </a:prstGeom>
+        </p:spPr>
+      </p:pic>
+      <p:pic>
+        <p:nvPicPr>
+          <p:cNvPr id="4" name="图片 3"/>
+          <p:cNvPicPr>
+            <a:picLocks noChangeAspect="1"/>
+          </p:cNvPicPr>
+          <p:nvPr/>
+        </p:nvPicPr>
+        <p:blipFill>
+          <a:blip r:embed="rId3"/>
+          <a:stretch>
+            <a:fillRect/>
+          </a:stretch>
+        </p:blipFill>
+        <p:spPr>
+          <a:xfrm>
+            <a:off x="506361" y="2436351"/>
+            <a:ext cx="4559300" cy="635000"/>
+          </a:xfrm>
+          <a:prstGeom prst="rect">
+            <a:avLst/>
+          </a:prstGeom>
+        </p:spPr>
+      </p:pic>
+    </p:spTree>
+    <p:extLst>
+      <p:ext uri="{BB962C8B-B14F-4D97-AF65-F5344CB8AC3E}">
+        <p14:creationId xmlns:p14="http://schemas.microsoft.com/office/powerpoint/2010/main" val="1866000081"/>
       </p:ext>
     </p:extLst>
   </p:cSld>

--- a/doc/ppt/git.pptx
+++ b/doc/ppt/git.pptx
@@ -26,6 +26,7 @@
     <p:sldId id="274" r:id="rId20"/>
     <p:sldId id="275" r:id="rId21"/>
     <p:sldId id="276" r:id="rId22"/>
+    <p:sldId id="277" r:id="rId23"/>
   </p:sldIdLst>
   <p:sldSz cx="12192000" cy="6858000"/>
   <p:notesSz cx="6858000" cy="9144000"/>
@@ -6562,6 +6563,108 @@
 </p:sld>
 </file>
 
+<file path=ppt/slides/slide22.xml><?xml version="1.0" encoding="utf-8"?>
+<p:sld xmlns:a="http://schemas.openxmlformats.org/drawingml/2006/main" xmlns:r="http://schemas.openxmlformats.org/officeDocument/2006/relationships" xmlns:p="http://schemas.openxmlformats.org/presentationml/2006/main">
+  <p:cSld>
+    <p:spTree>
+      <p:nvGrpSpPr>
+        <p:cNvPr id="1" name=""/>
+        <p:cNvGrpSpPr/>
+        <p:nvPr/>
+      </p:nvGrpSpPr>
+      <p:grpSpPr>
+        <a:xfrm>
+          <a:off x="0" y="0"/>
+          <a:ext cx="0" cy="0"/>
+          <a:chOff x="0" y="0"/>
+          <a:chExt cx="0" cy="0"/>
+        </a:xfrm>
+      </p:grpSpPr>
+      <p:sp>
+        <p:nvSpPr>
+          <p:cNvPr id="2" name="标题 1"/>
+          <p:cNvSpPr>
+            <a:spLocks noGrp="1"/>
+          </p:cNvSpPr>
+          <p:nvPr>
+            <p:ph type="ctrTitle"/>
+          </p:nvPr>
+        </p:nvSpPr>
+        <p:spPr>
+          <a:xfrm>
+            <a:off x="373626" y="309716"/>
+            <a:ext cx="7590503" cy="840658"/>
+          </a:xfrm>
+        </p:spPr>
+        <p:txBody>
+          <a:bodyPr>
+            <a:normAutofit/>
+          </a:bodyPr>
+          <a:lstStyle/>
+          <a:p>
+            <a:pPr algn="l"/>
+            <a:r>
+              <a:rPr lang="zh-CN" altLang="en-US" sz="5400" dirty="0"/>
+              <a:t>版本回退</a:t>
+            </a:r>
+          </a:p>
+        </p:txBody>
+      </p:sp>
+      <p:sp>
+        <p:nvSpPr>
+          <p:cNvPr id="9" name="副标题 2"/>
+          <p:cNvSpPr>
+            <a:spLocks noGrp="1"/>
+          </p:cNvSpPr>
+          <p:nvPr>
+            <p:ph type="subTitle" idx="1"/>
+          </p:nvPr>
+        </p:nvSpPr>
+        <p:spPr>
+          <a:xfrm>
+            <a:off x="427703" y="2056579"/>
+            <a:ext cx="11336593" cy="288416"/>
+          </a:xfrm>
+        </p:spPr>
+        <p:txBody>
+          <a:bodyPr>
+            <a:noAutofit/>
+          </a:bodyPr>
+          <a:lstStyle/>
+          <a:p>
+            <a:pPr algn="l"/>
+            <a:r>
+              <a:rPr lang="zh-CN" altLang="en-US" sz="1600" dirty="0"/>
+              <a:t>提交后，我们再用</a:t>
+            </a:r>
+            <a:r>
+              <a:rPr lang="en-US" altLang="zh-CN" sz="1600" dirty="0" err="1" smtClean="0"/>
+              <a:t>git</a:t>
+            </a:r>
+            <a:r>
+              <a:rPr lang="en-US" altLang="zh-CN" sz="1600" dirty="0" smtClean="0"/>
+              <a:t> status</a:t>
+            </a:r>
+            <a:r>
+              <a:rPr lang="zh-CN" altLang="en-US" sz="1600" dirty="0"/>
+              <a:t>命令看看仓库的当前状态：</a:t>
+            </a:r>
+          </a:p>
+        </p:txBody>
+      </p:sp>
+    </p:spTree>
+    <p:extLst>
+      <p:ext uri="{BB962C8B-B14F-4D97-AF65-F5344CB8AC3E}">
+        <p14:creationId xmlns:p14="http://schemas.microsoft.com/office/powerpoint/2010/main" val="1411328205"/>
+      </p:ext>
+    </p:extLst>
+  </p:cSld>
+  <p:clrMapOvr>
+    <a:masterClrMapping/>
+  </p:clrMapOvr>
+</p:sld>
+</file>
+
 <file path=ppt/slides/slide3.xml><?xml version="1.0" encoding="utf-8"?>
 <p:sld xmlns:a="http://schemas.openxmlformats.org/drawingml/2006/main" xmlns:r="http://schemas.openxmlformats.org/officeDocument/2006/relationships" xmlns:p="http://schemas.openxmlformats.org/presentationml/2006/main">
   <p:cSld>
